--- a/NLP_4 Classifier.pptx
+++ b/NLP_4 Classifier.pptx
@@ -2230,10 +2230,10 @@
             <a:buNone/>
           </a:pPr>
           <a:r>
-            <a:rPr kumimoji="1" lang="ja-JP" sz="3300" kern="1200"/>
+            <a:rPr kumimoji="1" lang="ja-JP" altLang="en-US" sz="3300" kern="1200"/>
             <a:t>学習</a:t>
           </a:r>
-          <a:endParaRPr lang="ja-JP" sz="3300" kern="1200"/>
+          <a:endParaRPr lang="ja-JP" altLang="en-US" sz="3300" kern="1200"/>
         </a:p>
       </dsp:txBody>
       <dsp:txXfrm>
@@ -2309,14 +2309,10 @@
             <a:buNone/>
           </a:pPr>
           <a:r>
-            <a:rPr kumimoji="1" lang="ja-JP" sz="3300" kern="1200" dirty="0"/>
-            <a:t>予測</a:t>
+            <a:rPr kumimoji="1" lang="ja-JP" altLang="en-US" sz="3300" kern="1200" dirty="0"/>
+            <a:t>予測・識別</a:t>
           </a:r>
-          <a:r>
-            <a:rPr kumimoji="1" lang="ja-JP" altLang="en-US" sz="3300" kern="1200" dirty="0"/>
-            <a:t>・識別</a:t>
-          </a:r>
-          <a:endParaRPr lang="ja-JP" sz="3300" kern="1200" dirty="0"/>
+          <a:endParaRPr lang="ja-JP" altLang="en-US" sz="3300" kern="1200" dirty="0"/>
         </a:p>
       </dsp:txBody>
       <dsp:txXfrm>
@@ -5071,7 +5067,7 @@
           <a:p>
             <a:fld id="{2ABC02D7-CBD1-4D33-B166-78A898DF0F76}" type="datetimeFigureOut">
               <a:rPr kumimoji="1" lang="ja-JP" altLang="en-US" smtClean="0"/>
-              <a:t>2024/3/11</a:t>
+              <a:t>2024/3/14</a:t>
             </a:fld>
             <a:endParaRPr kumimoji="1" lang="ja-JP" altLang="en-US"/>
           </a:p>
@@ -5273,7 +5269,7 @@
           <a:p>
             <a:fld id="{2ABC02D7-CBD1-4D33-B166-78A898DF0F76}" type="datetimeFigureOut">
               <a:rPr kumimoji="1" lang="ja-JP" altLang="en-US" smtClean="0"/>
-              <a:t>2024/3/11</a:t>
+              <a:t>2024/3/14</a:t>
             </a:fld>
             <a:endParaRPr kumimoji="1" lang="ja-JP" altLang="en-US"/>
           </a:p>
@@ -5485,7 +5481,7 @@
           <a:p>
             <a:fld id="{2ABC02D7-CBD1-4D33-B166-78A898DF0F76}" type="datetimeFigureOut">
               <a:rPr kumimoji="1" lang="ja-JP" altLang="en-US" smtClean="0"/>
-              <a:t>2024/3/11</a:t>
+              <a:t>2024/3/14</a:t>
             </a:fld>
             <a:endParaRPr kumimoji="1" lang="ja-JP" altLang="en-US"/>
           </a:p>
@@ -5687,7 +5683,7 @@
           <a:p>
             <a:fld id="{2ABC02D7-CBD1-4D33-B166-78A898DF0F76}" type="datetimeFigureOut">
               <a:rPr kumimoji="1" lang="ja-JP" altLang="en-US" smtClean="0"/>
-              <a:t>2024/3/11</a:t>
+              <a:t>2024/3/14</a:t>
             </a:fld>
             <a:endParaRPr kumimoji="1" lang="ja-JP" altLang="en-US"/>
           </a:p>
@@ -5933,7 +5929,7 @@
           <a:p>
             <a:fld id="{2ABC02D7-CBD1-4D33-B166-78A898DF0F76}" type="datetimeFigureOut">
               <a:rPr kumimoji="1" lang="ja-JP" altLang="en-US" smtClean="0"/>
-              <a:t>2024/3/11</a:t>
+              <a:t>2024/3/14</a:t>
             </a:fld>
             <a:endParaRPr kumimoji="1" lang="ja-JP" altLang="en-US"/>
           </a:p>
@@ -6229,7 +6225,7 @@
           <a:p>
             <a:fld id="{2ABC02D7-CBD1-4D33-B166-78A898DF0F76}" type="datetimeFigureOut">
               <a:rPr kumimoji="1" lang="ja-JP" altLang="en-US" smtClean="0"/>
-              <a:t>2024/3/11</a:t>
+              <a:t>2024/3/14</a:t>
             </a:fld>
             <a:endParaRPr kumimoji="1" lang="ja-JP" altLang="en-US"/>
           </a:p>
@@ -6660,7 +6656,7 @@
           <a:p>
             <a:fld id="{2ABC02D7-CBD1-4D33-B166-78A898DF0F76}" type="datetimeFigureOut">
               <a:rPr kumimoji="1" lang="ja-JP" altLang="en-US" smtClean="0"/>
-              <a:t>2024/3/11</a:t>
+              <a:t>2024/3/14</a:t>
             </a:fld>
             <a:endParaRPr kumimoji="1" lang="ja-JP" altLang="en-US"/>
           </a:p>
@@ -6778,7 +6774,7 @@
           <a:p>
             <a:fld id="{2ABC02D7-CBD1-4D33-B166-78A898DF0F76}" type="datetimeFigureOut">
               <a:rPr kumimoji="1" lang="ja-JP" altLang="en-US" smtClean="0"/>
-              <a:t>2024/3/11</a:t>
+              <a:t>2024/3/14</a:t>
             </a:fld>
             <a:endParaRPr kumimoji="1" lang="ja-JP" altLang="en-US"/>
           </a:p>
@@ -6873,7 +6869,7 @@
           <a:p>
             <a:fld id="{2ABC02D7-CBD1-4D33-B166-78A898DF0F76}" type="datetimeFigureOut">
               <a:rPr kumimoji="1" lang="ja-JP" altLang="en-US" smtClean="0"/>
-              <a:t>2024/3/11</a:t>
+              <a:t>2024/3/14</a:t>
             </a:fld>
             <a:endParaRPr kumimoji="1" lang="ja-JP" altLang="en-US"/>
           </a:p>
@@ -7182,7 +7178,7 @@
           <a:p>
             <a:fld id="{2ABC02D7-CBD1-4D33-B166-78A898DF0F76}" type="datetimeFigureOut">
               <a:rPr kumimoji="1" lang="ja-JP" altLang="en-US" smtClean="0"/>
-              <a:t>2024/3/11</a:t>
+              <a:t>2024/3/14</a:t>
             </a:fld>
             <a:endParaRPr kumimoji="1" lang="ja-JP" altLang="en-US"/>
           </a:p>
@@ -7439,7 +7435,7 @@
           <a:p>
             <a:fld id="{2ABC02D7-CBD1-4D33-B166-78A898DF0F76}" type="datetimeFigureOut">
               <a:rPr kumimoji="1" lang="ja-JP" altLang="en-US" smtClean="0"/>
-              <a:t>2024/3/11</a:t>
+              <a:t>2024/3/14</a:t>
             </a:fld>
             <a:endParaRPr kumimoji="1" lang="ja-JP" altLang="en-US"/>
           </a:p>
@@ -7684,7 +7680,7 @@
           <a:p>
             <a:fld id="{2ABC02D7-CBD1-4D33-B166-78A898DF0F76}" type="datetimeFigureOut">
               <a:rPr kumimoji="1" lang="ja-JP" altLang="en-US" smtClean="0"/>
-              <a:t>2024/3/11</a:t>
+              <a:t>2024/3/14</a:t>
             </a:fld>
             <a:endParaRPr kumimoji="1" lang="ja-JP" altLang="en-US"/>
           </a:p>
@@ -8498,7 +8494,7 @@
         <p:spPr>
           <a:xfrm>
             <a:off x="494523" y="1008579"/>
-            <a:ext cx="2954655" cy="461665"/>
+            <a:ext cx="4801314" cy="461665"/>
           </a:xfrm>
           <a:prstGeom prst="rect">
             <a:avLst/>
@@ -8517,7 +8513,7 @@
                 <a:latin typeface="メイリオ" panose="020B0604030504040204" pitchFamily="50" charset="-128"/>
                 <a:ea typeface="メイリオ" panose="020B0604030504040204" pitchFamily="50" charset="-128"/>
               </a:rPr>
-              <a:t>実装で試す（演習）</a:t>
+              <a:t>実装して結果を確認する（演習）</a:t>
             </a:r>
           </a:p>
         </p:txBody>
@@ -12116,7 +12112,7 @@
         </p:nvSpPr>
         <p:spPr>
           <a:xfrm>
-            <a:off x="419374" y="841007"/>
+            <a:off x="419375" y="1023305"/>
             <a:ext cx="11103931" cy="830997"/>
           </a:xfrm>
           <a:prstGeom prst="rect">
@@ -12191,8 +12187,8 @@
           </a:p>
         </p:txBody>
       </p:sp>
-      <mc:AlternateContent xmlns:mc="http://schemas.openxmlformats.org/markup-compatibility/2006">
-        <mc:Choice xmlns:a14="http://schemas.microsoft.com/office/drawing/2010/main" Requires="a14">
+      <mc:AlternateContent xmlns:mc="http://schemas.openxmlformats.org/markup-compatibility/2006" xmlns:a14="http://schemas.microsoft.com/office/drawing/2010/main">
+        <mc:Choice Requires="a14">
           <p:sp>
             <p:nvSpPr>
               <p:cNvPr id="5" name="テキスト ボックス 4">
@@ -12352,7 +12348,7 @@
             </p:txBody>
           </p:sp>
         </mc:Choice>
-        <mc:Fallback>
+        <mc:Fallback xmlns="">
           <p:sp>
             <p:nvSpPr>
               <p:cNvPr id="5" name="テキスト ボックス 4">
@@ -12972,6 +12968,50 @@
           </a:fontRef>
         </p:style>
       </p:cxnSp>
+      <p:sp>
+        <p:nvSpPr>
+          <p:cNvPr id="15" name="テキスト ボックス 14">
+            <a:extLst>
+              <a:ext uri="{FF2B5EF4-FFF2-40B4-BE49-F238E27FC236}">
+                <a16:creationId xmlns:a16="http://schemas.microsoft.com/office/drawing/2014/main" id="{8B2CCA60-DAC4-8010-19F2-20D168F971BC}"/>
+              </a:ext>
+            </a:extLst>
+          </p:cNvPr>
+          <p:cNvSpPr txBox="1"/>
+          <p:nvPr/>
+        </p:nvSpPr>
+        <p:spPr>
+          <a:xfrm>
+            <a:off x="419375" y="689241"/>
+            <a:ext cx="7980454" cy="369332"/>
+          </a:xfrm>
+          <a:prstGeom prst="rect">
+            <a:avLst/>
+          </a:prstGeom>
+          <a:noFill/>
+        </p:spPr>
+        <p:txBody>
+          <a:bodyPr wrap="none" rtlCol="0">
+            <a:spAutoFit/>
+          </a:bodyPr>
+          <a:lstStyle/>
+          <a:p>
+            <a:pPr algn="l"/>
+            <a:r>
+              <a:rPr kumimoji="1" lang="en-US" altLang="ja-JP" dirty="0">
+                <a:latin typeface="メイリオ" panose="020B0604030504040204" pitchFamily="50" charset="-128"/>
+                <a:ea typeface="メイリオ" panose="020B0604030504040204" pitchFamily="50" charset="-128"/>
+                <a:hlinkClick r:id="rId6"/>
+              </a:rPr>
+              <a:t>https://github.com/ueharaLab/NLP_4-Classifier/blob/main/tf_idf.md</a:t>
+            </a:r>
+            <a:endParaRPr kumimoji="1" lang="ja-JP" altLang="en-US" dirty="0">
+              <a:latin typeface="メイリオ" panose="020B0604030504040204" pitchFamily="50" charset="-128"/>
+              <a:ea typeface="メイリオ" panose="020B0604030504040204" pitchFamily="50" charset="-128"/>
+            </a:endParaRPr>
+          </a:p>
+        </p:txBody>
+      </p:sp>
     </p:spTree>
     <p:extLst>
       <p:ext uri="{BB962C8B-B14F-4D97-AF65-F5344CB8AC3E}">
@@ -16983,7 +17023,7 @@
         </p:nvSpPr>
         <p:spPr>
           <a:xfrm>
-            <a:off x="877079" y="2252295"/>
+            <a:off x="532357" y="2061589"/>
             <a:ext cx="3906839" cy="461665"/>
           </a:xfrm>
           <a:prstGeom prst="rect">
@@ -17224,6 +17264,50 @@
           </a:prstGeom>
         </p:spPr>
       </p:pic>
+      <p:sp>
+        <p:nvSpPr>
+          <p:cNvPr id="2" name="テキスト ボックス 1">
+            <a:extLst>
+              <a:ext uri="{FF2B5EF4-FFF2-40B4-BE49-F238E27FC236}">
+                <a16:creationId xmlns:a16="http://schemas.microsoft.com/office/drawing/2014/main" id="{11AA789C-B7AA-1CAD-CAA7-FE9960467EB5}"/>
+              </a:ext>
+            </a:extLst>
+          </p:cNvPr>
+          <p:cNvSpPr txBox="1"/>
+          <p:nvPr/>
+        </p:nvSpPr>
+        <p:spPr>
+          <a:xfrm>
+            <a:off x="532357" y="2421398"/>
+            <a:ext cx="8860118" cy="369332"/>
+          </a:xfrm>
+          <a:prstGeom prst="rect">
+            <a:avLst/>
+          </a:prstGeom>
+          <a:noFill/>
+        </p:spPr>
+        <p:txBody>
+          <a:bodyPr wrap="none" rtlCol="0">
+            <a:spAutoFit/>
+          </a:bodyPr>
+          <a:lstStyle/>
+          <a:p>
+            <a:pPr algn="l"/>
+            <a:r>
+              <a:rPr kumimoji="1" lang="en-US" altLang="ja-JP" dirty="0">
+                <a:latin typeface="メイリオ" panose="020B0604030504040204" pitchFamily="50" charset="-128"/>
+                <a:ea typeface="メイリオ" panose="020B0604030504040204" pitchFamily="50" charset="-128"/>
+                <a:hlinkClick r:id="rId3"/>
+              </a:rPr>
+              <a:t>https://github.com/ueharaLab/NLP_4-Classifier/blob/main/bow_dataset.md</a:t>
+            </a:r>
+            <a:endParaRPr kumimoji="1" lang="ja-JP" altLang="en-US" dirty="0">
+              <a:latin typeface="メイリオ" panose="020B0604030504040204" pitchFamily="50" charset="-128"/>
+              <a:ea typeface="メイリオ" panose="020B0604030504040204" pitchFamily="50" charset="-128"/>
+            </a:endParaRPr>
+          </a:p>
+        </p:txBody>
+      </p:sp>
     </p:spTree>
     <p:extLst>
       <p:ext uri="{BB962C8B-B14F-4D97-AF65-F5344CB8AC3E}">
@@ -25234,7 +25318,7 @@
         </p:nvSpPr>
         <p:spPr>
           <a:xfrm>
-            <a:off x="337893" y="1163605"/>
+            <a:off x="470515" y="1452854"/>
             <a:ext cx="11250969" cy="1200329"/>
           </a:xfrm>
           <a:prstGeom prst="rect">
@@ -25296,7 +25380,7 @@
         </p:nvSpPr>
         <p:spPr>
           <a:xfrm>
-            <a:off x="1035698" y="3167390"/>
+            <a:off x="1168320" y="3456639"/>
             <a:ext cx="2895344" cy="523220"/>
           </a:xfrm>
           <a:prstGeom prst="rect">
@@ -25346,7 +25430,7 @@
         </p:nvSpPr>
         <p:spPr>
           <a:xfrm>
-            <a:off x="4393717" y="3244334"/>
+            <a:off x="4526339" y="3533583"/>
             <a:ext cx="1569660" cy="369332"/>
           </a:xfrm>
           <a:prstGeom prst="rect">
@@ -25385,7 +25469,7 @@
         </p:nvSpPr>
         <p:spPr>
           <a:xfrm>
-            <a:off x="5963377" y="3244334"/>
+            <a:off x="6095999" y="3533583"/>
             <a:ext cx="3326552" cy="461665"/>
           </a:xfrm>
           <a:prstGeom prst="rect">
@@ -25414,6 +25498,57 @@
               </a:rPr>
               <a:t>0.33</a:t>
             </a:r>
+            <a:endParaRPr kumimoji="1" lang="ja-JP" altLang="en-US" sz="2400" dirty="0">
+              <a:latin typeface="メイリオ" panose="020B0604030504040204" pitchFamily="50" charset="-128"/>
+              <a:ea typeface="メイリオ" panose="020B0604030504040204" pitchFamily="50" charset="-128"/>
+            </a:endParaRPr>
+          </a:p>
+        </p:txBody>
+      </p:sp>
+      <p:sp>
+        <p:nvSpPr>
+          <p:cNvPr id="4" name="テキスト ボックス 3">
+            <a:extLst>
+              <a:ext uri="{FF2B5EF4-FFF2-40B4-BE49-F238E27FC236}">
+                <a16:creationId xmlns:a16="http://schemas.microsoft.com/office/drawing/2014/main" id="{6F5BC316-AB44-B886-E60D-55D9A5E077E4}"/>
+              </a:ext>
+            </a:extLst>
+          </p:cNvPr>
+          <p:cNvSpPr txBox="1"/>
+          <p:nvPr/>
+        </p:nvSpPr>
+        <p:spPr>
+          <a:xfrm>
+            <a:off x="470515" y="1016582"/>
+            <a:ext cx="11157542" cy="830997"/>
+          </a:xfrm>
+          <a:prstGeom prst="rect">
+            <a:avLst/>
+          </a:prstGeom>
+          <a:noFill/>
+        </p:spPr>
+        <p:txBody>
+          <a:bodyPr wrap="none" rtlCol="0">
+            <a:spAutoFit/>
+          </a:bodyPr>
+          <a:lstStyle/>
+          <a:p>
+            <a:pPr algn="l"/>
+            <a:r>
+              <a:rPr kumimoji="1" lang="en-US" altLang="ja-JP" sz="2400" dirty="0">
+                <a:latin typeface="メイリオ" panose="020B0604030504040204" pitchFamily="50" charset="-128"/>
+                <a:ea typeface="メイリオ" panose="020B0604030504040204" pitchFamily="50" charset="-128"/>
+                <a:hlinkClick r:id="rId2"/>
+              </a:rPr>
+              <a:t>https://github.com/ueharaLab/NLP_4-Classifier/blob/main/knn_bow.md</a:t>
+            </a:r>
+            <a:endParaRPr kumimoji="1" lang="en-US" altLang="ja-JP" sz="2400" dirty="0">
+              <a:latin typeface="メイリオ" panose="020B0604030504040204" pitchFamily="50" charset="-128"/>
+              <a:ea typeface="メイリオ" panose="020B0604030504040204" pitchFamily="50" charset="-128"/>
+            </a:endParaRPr>
+          </a:p>
+          <a:p>
+            <a:pPr algn="l"/>
             <a:endParaRPr kumimoji="1" lang="ja-JP" altLang="en-US" sz="2400" dirty="0">
               <a:latin typeface="メイリオ" panose="020B0604030504040204" pitchFamily="50" charset="-128"/>
               <a:ea typeface="メイリオ" panose="020B0604030504040204" pitchFamily="50" charset="-128"/>
@@ -26861,8 +26996,8 @@
           </a:p>
         </p:txBody>
       </p:sp>
-      <mc:AlternateContent xmlns:mc="http://schemas.openxmlformats.org/markup-compatibility/2006">
-        <mc:Choice xmlns:a14="http://schemas.microsoft.com/office/drawing/2010/main" Requires="a14">
+      <mc:AlternateContent xmlns:mc="http://schemas.openxmlformats.org/markup-compatibility/2006" xmlns:a14="http://schemas.microsoft.com/office/drawing/2010/main">
+        <mc:Choice Requires="a14">
           <p:sp>
             <p:nvSpPr>
               <p:cNvPr id="41" name="テキスト ボックス 40">
@@ -26939,7 +27074,7 @@
             </p:txBody>
           </p:sp>
         </mc:Choice>
-        <mc:Fallback>
+        <mc:Fallback xmlns="">
           <p:sp>
             <p:nvSpPr>
               <p:cNvPr id="41" name="テキスト ボックス 40">
@@ -26984,8 +27119,8 @@
           </p:sp>
         </mc:Fallback>
       </mc:AlternateContent>
-      <mc:AlternateContent xmlns:mc="http://schemas.openxmlformats.org/markup-compatibility/2006">
-        <mc:Choice xmlns:a14="http://schemas.microsoft.com/office/drawing/2010/main" Requires="a14">
+      <mc:AlternateContent xmlns:mc="http://schemas.openxmlformats.org/markup-compatibility/2006" xmlns:a14="http://schemas.microsoft.com/office/drawing/2010/main">
+        <mc:Choice Requires="a14">
           <p:sp>
             <p:nvSpPr>
               <p:cNvPr id="42" name="テキスト ボックス 41">
@@ -27062,7 +27197,7 @@
             </p:txBody>
           </p:sp>
         </mc:Choice>
-        <mc:Fallback>
+        <mc:Fallback xmlns="">
           <p:sp>
             <p:nvSpPr>
               <p:cNvPr id="42" name="テキスト ボックス 41">
@@ -27107,8 +27242,8 @@
           </p:sp>
         </mc:Fallback>
       </mc:AlternateContent>
-      <mc:AlternateContent xmlns:mc="http://schemas.openxmlformats.org/markup-compatibility/2006">
-        <mc:Choice xmlns:a14="http://schemas.microsoft.com/office/drawing/2010/main" Requires="a14">
+      <mc:AlternateContent xmlns:mc="http://schemas.openxmlformats.org/markup-compatibility/2006" xmlns:a14="http://schemas.microsoft.com/office/drawing/2010/main">
+        <mc:Choice Requires="a14">
           <p:sp>
             <p:nvSpPr>
               <p:cNvPr id="43" name="テキスト ボックス 42">
@@ -27185,7 +27320,7 @@
             </p:txBody>
           </p:sp>
         </mc:Choice>
-        <mc:Fallback>
+        <mc:Fallback xmlns="">
           <p:sp>
             <p:nvSpPr>
               <p:cNvPr id="43" name="テキスト ボックス 42">
@@ -27498,8 +27633,8 @@
           </a:p>
         </p:txBody>
       </p:sp>
-      <mc:AlternateContent xmlns:mc="http://schemas.openxmlformats.org/markup-compatibility/2006">
-        <mc:Choice xmlns:a14="http://schemas.microsoft.com/office/drawing/2010/main" Requires="a14">
+      <mc:AlternateContent xmlns:mc="http://schemas.openxmlformats.org/markup-compatibility/2006" xmlns:a14="http://schemas.microsoft.com/office/drawing/2010/main">
+        <mc:Choice Requires="a14">
           <p:sp>
             <p:nvSpPr>
               <p:cNvPr id="58" name="テキスト ボックス 57">
@@ -27851,14 +27986,7 @@
                         <a:latin typeface="Cambria Math" panose="02040503050406030204" pitchFamily="18" charset="0"/>
                         <a:ea typeface="メイリオ" panose="020B0604030504040204" pitchFamily="50" charset="-128"/>
                       </a:rPr>
-                      <m:t> </m:t>
-                    </m:r>
-                    <m:r>
-                      <a:rPr kumimoji="1" lang="en-US" altLang="ja-JP" sz="2400" i="1">
-                        <a:latin typeface="Cambria Math" panose="02040503050406030204" pitchFamily="18" charset="0"/>
-                        <a:ea typeface="メイリオ" panose="020B0604030504040204" pitchFamily="50" charset="-128"/>
-                      </a:rPr>
-                      <m:t>)</m:t>
+                      <m:t> )</m:t>
                     </m:r>
                   </m:oMath>
                 </a14:m>
@@ -27873,7 +28001,7 @@
             </p:txBody>
           </p:sp>
         </mc:Choice>
-        <mc:Fallback>
+        <mc:Fallback xmlns="">
           <p:sp>
             <p:nvSpPr>
               <p:cNvPr id="58" name="テキスト ボックス 57">
@@ -27918,8 +28046,8 @@
           </p:sp>
         </mc:Fallback>
       </mc:AlternateContent>
-      <mc:AlternateContent xmlns:mc="http://schemas.openxmlformats.org/markup-compatibility/2006">
-        <mc:Choice xmlns:a14="http://schemas.microsoft.com/office/drawing/2010/main" Requires="a14">
+      <mc:AlternateContent xmlns:mc="http://schemas.openxmlformats.org/markup-compatibility/2006" xmlns:a14="http://schemas.microsoft.com/office/drawing/2010/main">
+        <mc:Choice Requires="a14">
           <p:sp>
             <p:nvSpPr>
               <p:cNvPr id="60" name="テキスト ボックス 59">
@@ -27948,6 +28076,7 @@
               </a:bodyPr>
               <a:lstStyle/>
               <a:p>
+                <a:pPr/>
                 <a14:m>
                   <m:oMathPara xmlns:m="http://schemas.openxmlformats.org/officeDocument/2006/math">
                     <m:oMathParaPr>
@@ -28203,14 +28332,7 @@
                               <a:latin typeface="Cambria Math" panose="02040503050406030204" pitchFamily="18" charset="0"/>
                               <a:ea typeface="メイリオ" panose="020B0604030504040204" pitchFamily="50" charset="-128"/>
                             </a:rPr>
-                            <m:t>+</m:t>
-                          </m:r>
-                          <m:r>
-                            <a:rPr kumimoji="1" lang="en-US" altLang="ja-JP" sz="2400" i="1">
-                              <a:latin typeface="Cambria Math" panose="02040503050406030204" pitchFamily="18" charset="0"/>
-                              <a:ea typeface="メイリオ" panose="020B0604030504040204" pitchFamily="50" charset="-128"/>
-                            </a:rPr>
-                            <m:t>(</m:t>
+                            <m:t>+(</m:t>
                           </m:r>
                           <m:sSubSup>
                             <m:sSubSupPr>
@@ -28344,7 +28466,7 @@
             </p:txBody>
           </p:sp>
         </mc:Choice>
-        <mc:Fallback>
+        <mc:Fallback xmlns="">
           <p:sp>
             <p:nvSpPr>
               <p:cNvPr id="60" name="テキスト ボックス 59">

--- a/NLP_4 Classifier.pptx
+++ b/NLP_4 Classifier.pptx
@@ -13,9 +13,9 @@
     <p:sldId id="400" r:id="rId7"/>
     <p:sldId id="387" r:id="rId8"/>
     <p:sldId id="292" r:id="rId9"/>
-    <p:sldId id="394" r:id="rId10"/>
-    <p:sldId id="401" r:id="rId11"/>
-    <p:sldId id="378" r:id="rId12"/>
+    <p:sldId id="378" r:id="rId10"/>
+    <p:sldId id="394" r:id="rId11"/>
+    <p:sldId id="401" r:id="rId12"/>
     <p:sldId id="398" r:id="rId13"/>
     <p:sldId id="410" r:id="rId14"/>
     <p:sldId id="389" r:id="rId15"/>
@@ -3385,7 +3385,6 @@
             <a:rPr lang="ja-JP" altLang="en-US" sz="3300" kern="1200" dirty="0"/>
             <a:t>特徴抽出</a:t>
           </a:r>
-          <a:endParaRPr lang="ja-JP" sz="3300" kern="1200" dirty="0"/>
         </a:p>
       </dsp:txBody>
       <dsp:txXfrm>
@@ -3461,10 +3460,10 @@
             <a:buNone/>
           </a:pPr>
           <a:r>
-            <a:rPr kumimoji="1" lang="ja-JP" sz="3300" kern="1200" dirty="0"/>
+            <a:rPr kumimoji="1" lang="ja-JP" altLang="en-US" sz="3300" kern="1200" dirty="0"/>
             <a:t>学習</a:t>
           </a:r>
-          <a:endParaRPr lang="ja-JP" sz="3300" kern="1200" dirty="0"/>
+          <a:endParaRPr lang="ja-JP" altLang="en-US" sz="3300" kern="1200" dirty="0"/>
         </a:p>
       </dsp:txBody>
       <dsp:txXfrm>
@@ -3540,14 +3539,10 @@
             <a:buNone/>
           </a:pPr>
           <a:r>
-            <a:rPr kumimoji="1" lang="ja-JP" sz="3300" kern="1200" dirty="0"/>
-            <a:t>予測</a:t>
+            <a:rPr kumimoji="1" lang="ja-JP" altLang="en-US" sz="3300" kern="1200" dirty="0"/>
+            <a:t>予測・識別</a:t>
           </a:r>
-          <a:r>
-            <a:rPr kumimoji="1" lang="ja-JP" altLang="en-US" sz="3300" kern="1200" dirty="0"/>
-            <a:t>・識別</a:t>
-          </a:r>
-          <a:endParaRPr lang="ja-JP" sz="3300" kern="1200" dirty="0"/>
+          <a:endParaRPr lang="ja-JP" altLang="en-US" sz="3300" kern="1200" dirty="0"/>
         </a:p>
       </dsp:txBody>
       <dsp:txXfrm>
@@ -10702,6 +10697,728 @@
           <a:chExt cx="0" cy="0"/>
         </a:xfrm>
       </p:grpSpPr>
+      <p:pic>
+        <p:nvPicPr>
+          <p:cNvPr id="2" name="Picture 2" descr="スクリーンショット 2016-05-04 3.33.02.png">
+            <a:extLst>
+              <a:ext uri="{FF2B5EF4-FFF2-40B4-BE49-F238E27FC236}">
+                <a16:creationId xmlns:a16="http://schemas.microsoft.com/office/drawing/2014/main" id="{47BADEAE-9B6E-ED3E-4A19-F89F9A9775F7}"/>
+              </a:ext>
+            </a:extLst>
+          </p:cNvPr>
+          <p:cNvPicPr>
+            <a:picLocks noChangeAspect="1" noChangeArrowheads="1"/>
+          </p:cNvPicPr>
+          <p:nvPr/>
+        </p:nvPicPr>
+        <p:blipFill>
+          <a:blip r:embed="rId2">
+            <a:extLst>
+              <a:ext uri="{28A0092B-C50C-407E-A947-70E740481C1C}">
+                <a14:useLocalDpi xmlns:a14="http://schemas.microsoft.com/office/drawing/2010/main" val="0"/>
+              </a:ext>
+            </a:extLst>
+          </a:blip>
+          <a:srcRect/>
+          <a:stretch>
+            <a:fillRect/>
+          </a:stretch>
+        </p:blipFill>
+        <p:spPr bwMode="auto">
+          <a:xfrm>
+            <a:off x="1351280" y="1151041"/>
+            <a:ext cx="4497070" cy="3310657"/>
+          </a:xfrm>
+          <a:prstGeom prst="rect">
+            <a:avLst/>
+          </a:prstGeom>
+          <a:noFill/>
+          <a:extLst>
+            <a:ext uri="{909E8E84-426E-40DD-AFC4-6F175D3DCCD1}">
+              <a14:hiddenFill xmlns:a14="http://schemas.microsoft.com/office/drawing/2010/main">
+                <a:solidFill>
+                  <a:srgbClr val="FFFFFF"/>
+                </a:solidFill>
+              </a14:hiddenFill>
+            </a:ext>
+          </a:extLst>
+        </p:spPr>
+      </p:pic>
+      <p:sp>
+        <p:nvSpPr>
+          <p:cNvPr id="3" name="テキスト ボックス 2">
+            <a:extLst>
+              <a:ext uri="{FF2B5EF4-FFF2-40B4-BE49-F238E27FC236}">
+                <a16:creationId xmlns:a16="http://schemas.microsoft.com/office/drawing/2014/main" id="{E7A76A66-6B5C-7F5C-0FC7-3DDC67D79355}"/>
+              </a:ext>
+            </a:extLst>
+          </p:cNvPr>
+          <p:cNvSpPr txBox="1"/>
+          <p:nvPr/>
+        </p:nvSpPr>
+        <p:spPr>
+          <a:xfrm>
+            <a:off x="1974575" y="3364058"/>
+            <a:ext cx="492443" cy="461665"/>
+          </a:xfrm>
+          <a:prstGeom prst="rect">
+            <a:avLst/>
+          </a:prstGeom>
+          <a:noFill/>
+        </p:spPr>
+        <p:txBody>
+          <a:bodyPr wrap="none" rtlCol="0">
+            <a:spAutoFit/>
+          </a:bodyPr>
+          <a:lstStyle/>
+          <a:p>
+            <a:pPr algn="l"/>
+            <a:r>
+              <a:rPr kumimoji="1" lang="ja-JP" altLang="en-US" sz="2400" dirty="0">
+                <a:solidFill>
+                  <a:schemeClr val="accent4">
+                    <a:lumMod val="60000"/>
+                    <a:lumOff val="40000"/>
+                  </a:schemeClr>
+                </a:solidFill>
+                <a:latin typeface="メイリオ" panose="020B0604030504040204" pitchFamily="50" charset="-128"/>
+                <a:ea typeface="メイリオ" panose="020B0604030504040204" pitchFamily="50" charset="-128"/>
+              </a:rPr>
+              <a:t>●</a:t>
+            </a:r>
+          </a:p>
+        </p:txBody>
+      </p:sp>
+      <p:sp>
+        <p:nvSpPr>
+          <p:cNvPr id="4" name="テキスト ボックス 3">
+            <a:extLst>
+              <a:ext uri="{FF2B5EF4-FFF2-40B4-BE49-F238E27FC236}">
+                <a16:creationId xmlns:a16="http://schemas.microsoft.com/office/drawing/2014/main" id="{F0EEF0E7-02DA-1EDA-BA1D-7CD05D79E283}"/>
+              </a:ext>
+            </a:extLst>
+          </p:cNvPr>
+          <p:cNvSpPr txBox="1"/>
+          <p:nvPr/>
+        </p:nvSpPr>
+        <p:spPr>
+          <a:xfrm>
+            <a:off x="2544419" y="1205617"/>
+            <a:ext cx="492443" cy="461665"/>
+          </a:xfrm>
+          <a:prstGeom prst="rect">
+            <a:avLst/>
+          </a:prstGeom>
+          <a:noFill/>
+        </p:spPr>
+        <p:txBody>
+          <a:bodyPr wrap="none" rtlCol="0">
+            <a:spAutoFit/>
+          </a:bodyPr>
+          <a:lstStyle/>
+          <a:p>
+            <a:pPr algn="l"/>
+            <a:r>
+              <a:rPr kumimoji="1" lang="ja-JP" altLang="en-US" sz="2400" dirty="0">
+                <a:solidFill>
+                  <a:schemeClr val="accent4">
+                    <a:lumMod val="60000"/>
+                    <a:lumOff val="40000"/>
+                  </a:schemeClr>
+                </a:solidFill>
+                <a:latin typeface="メイリオ" panose="020B0604030504040204" pitchFamily="50" charset="-128"/>
+                <a:ea typeface="メイリオ" panose="020B0604030504040204" pitchFamily="50" charset="-128"/>
+              </a:rPr>
+              <a:t>●</a:t>
+            </a:r>
+          </a:p>
+        </p:txBody>
+      </p:sp>
+      <p:sp>
+        <p:nvSpPr>
+          <p:cNvPr id="5" name="テキスト ボックス 4">
+            <a:extLst>
+              <a:ext uri="{FF2B5EF4-FFF2-40B4-BE49-F238E27FC236}">
+                <a16:creationId xmlns:a16="http://schemas.microsoft.com/office/drawing/2014/main" id="{31C561DB-6846-2052-5D3A-CAE5CC2CCE75}"/>
+              </a:ext>
+            </a:extLst>
+          </p:cNvPr>
+          <p:cNvSpPr txBox="1"/>
+          <p:nvPr/>
+        </p:nvSpPr>
+        <p:spPr>
+          <a:xfrm>
+            <a:off x="483005" y="395173"/>
+            <a:ext cx="4347665" cy="584775"/>
+          </a:xfrm>
+          <a:prstGeom prst="rect">
+            <a:avLst/>
+          </a:prstGeom>
+          <a:noFill/>
+        </p:spPr>
+        <p:txBody>
+          <a:bodyPr wrap="none" rtlCol="0">
+            <a:spAutoFit/>
+          </a:bodyPr>
+          <a:lstStyle/>
+          <a:p>
+            <a:pPr algn="l"/>
+            <a:r>
+              <a:rPr kumimoji="1" lang="en-US" altLang="ja-JP" sz="3200" dirty="0">
+                <a:latin typeface="メイリオ" panose="020B0604030504040204" pitchFamily="50" charset="-128"/>
+                <a:ea typeface="メイリオ" panose="020B0604030504040204" pitchFamily="50" charset="-128"/>
+              </a:rPr>
+              <a:t>KNN</a:t>
+            </a:r>
+            <a:r>
+              <a:rPr kumimoji="1" lang="ja-JP" altLang="en-US" sz="3200" dirty="0">
+                <a:latin typeface="メイリオ" panose="020B0604030504040204" pitchFamily="50" charset="-128"/>
+                <a:ea typeface="メイリオ" panose="020B0604030504040204" pitchFamily="50" charset="-128"/>
+              </a:rPr>
+              <a:t>による学習・予測</a:t>
+            </a:r>
+          </a:p>
+        </p:txBody>
+      </p:sp>
+      <p:sp>
+        <p:nvSpPr>
+          <p:cNvPr id="6" name="楕円 5">
+            <a:extLst>
+              <a:ext uri="{FF2B5EF4-FFF2-40B4-BE49-F238E27FC236}">
+                <a16:creationId xmlns:a16="http://schemas.microsoft.com/office/drawing/2014/main" id="{DF6481F8-0492-0D0A-CC2B-5BB6C0323B57}"/>
+              </a:ext>
+            </a:extLst>
+          </p:cNvPr>
+          <p:cNvSpPr/>
+          <p:nvPr/>
+        </p:nvSpPr>
+        <p:spPr>
+          <a:xfrm>
+            <a:off x="3333751" y="2569923"/>
+            <a:ext cx="342900" cy="371475"/>
+          </a:xfrm>
+          <a:prstGeom prst="ellipse">
+            <a:avLst/>
+          </a:prstGeom>
+          <a:solidFill>
+            <a:schemeClr val="bg1"/>
+          </a:solidFill>
+          <a:ln>
+            <a:solidFill>
+              <a:schemeClr val="bg1"/>
+            </a:solidFill>
+          </a:ln>
+        </p:spPr>
+        <p:style>
+          <a:lnRef idx="2">
+            <a:schemeClr val="accent1">
+              <a:shade val="50000"/>
+            </a:schemeClr>
+          </a:lnRef>
+          <a:fillRef idx="1">
+            <a:schemeClr val="accent1"/>
+          </a:fillRef>
+          <a:effectRef idx="0">
+            <a:schemeClr val="accent1"/>
+          </a:effectRef>
+          <a:fontRef idx="minor">
+            <a:schemeClr val="lt1"/>
+          </a:fontRef>
+        </p:style>
+        <p:txBody>
+          <a:bodyPr rtlCol="0" anchor="ctr"/>
+          <a:lstStyle/>
+          <a:p>
+            <a:pPr algn="ctr"/>
+            <a:endParaRPr kumimoji="1" lang="ja-JP" altLang="en-US"/>
+          </a:p>
+        </p:txBody>
+      </p:sp>
+      <p:sp>
+        <p:nvSpPr>
+          <p:cNvPr id="7" name="テキスト ボックス 6">
+            <a:extLst>
+              <a:ext uri="{FF2B5EF4-FFF2-40B4-BE49-F238E27FC236}">
+                <a16:creationId xmlns:a16="http://schemas.microsoft.com/office/drawing/2014/main" id="{39621FFF-83B7-160B-2205-C033DB38BD26}"/>
+              </a:ext>
+            </a:extLst>
+          </p:cNvPr>
+          <p:cNvSpPr txBox="1"/>
+          <p:nvPr/>
+        </p:nvSpPr>
+        <p:spPr>
+          <a:xfrm>
+            <a:off x="1666875" y="4360761"/>
+            <a:ext cx="4943475" cy="830997"/>
+          </a:xfrm>
+          <a:prstGeom prst="rect">
+            <a:avLst/>
+          </a:prstGeom>
+          <a:noFill/>
+        </p:spPr>
+        <p:txBody>
+          <a:bodyPr wrap="square" rtlCol="0">
+            <a:spAutoFit/>
+          </a:bodyPr>
+          <a:lstStyle/>
+          <a:p>
+            <a:pPr algn="l"/>
+            <a:r>
+              <a:rPr kumimoji="1" lang="ja-JP" altLang="en-US" sz="2400" dirty="0">
+                <a:latin typeface="メイリオ" panose="020B0604030504040204" pitchFamily="50" charset="-128"/>
+                <a:ea typeface="メイリオ" panose="020B0604030504040204" pitchFamily="50" charset="-128"/>
+              </a:rPr>
+              <a:t>最近傍の点の数</a:t>
+            </a:r>
+            <a:r>
+              <a:rPr kumimoji="1" lang="en-US" altLang="ja-JP" sz="2400" dirty="0">
+                <a:latin typeface="メイリオ" panose="020B0604030504040204" pitchFamily="50" charset="-128"/>
+                <a:ea typeface="メイリオ" panose="020B0604030504040204" pitchFamily="50" charset="-128"/>
+              </a:rPr>
+              <a:t>(K)</a:t>
+            </a:r>
+            <a:r>
+              <a:rPr kumimoji="1" lang="ja-JP" altLang="en-US" sz="2400" dirty="0">
+                <a:latin typeface="メイリオ" panose="020B0604030504040204" pitchFamily="50" charset="-128"/>
+                <a:ea typeface="メイリオ" panose="020B0604030504040204" pitchFamily="50" charset="-128"/>
+              </a:rPr>
+              <a:t>を決める（点線の円がいわば決定境界</a:t>
+            </a:r>
+            <a:r>
+              <a:rPr kumimoji="1" lang="en-US" altLang="ja-JP" sz="2400" dirty="0">
+                <a:latin typeface="メイリオ" panose="020B0604030504040204" pitchFamily="50" charset="-128"/>
+                <a:ea typeface="メイリオ" panose="020B0604030504040204" pitchFamily="50" charset="-128"/>
+              </a:rPr>
+              <a:t>(</a:t>
+            </a:r>
+            <a:r>
+              <a:rPr kumimoji="1" lang="ja-JP" altLang="en-US" sz="2400" dirty="0">
+                <a:latin typeface="メイリオ" panose="020B0604030504040204" pitchFamily="50" charset="-128"/>
+                <a:ea typeface="メイリオ" panose="020B0604030504040204" pitchFamily="50" charset="-128"/>
+              </a:rPr>
+              <a:t>注</a:t>
+            </a:r>
+            <a:r>
+              <a:rPr kumimoji="1" lang="en-US" altLang="ja-JP" sz="2400" dirty="0">
+                <a:latin typeface="メイリオ" panose="020B0604030504040204" pitchFamily="50" charset="-128"/>
+                <a:ea typeface="メイリオ" panose="020B0604030504040204" pitchFamily="50" charset="-128"/>
+              </a:rPr>
+              <a:t>)</a:t>
+            </a:r>
+            <a:r>
+              <a:rPr kumimoji="1" lang="ja-JP" altLang="en-US" sz="2400" dirty="0">
+                <a:latin typeface="メイリオ" panose="020B0604030504040204" pitchFamily="50" charset="-128"/>
+                <a:ea typeface="メイリオ" panose="020B0604030504040204" pitchFamily="50" charset="-128"/>
+              </a:rPr>
+              <a:t>）</a:t>
+            </a:r>
+          </a:p>
+        </p:txBody>
+      </p:sp>
+      <p:pic>
+        <p:nvPicPr>
+          <p:cNvPr id="8" name="Picture 2" descr="スクリーンショット 2016-05-04 3.33.02.png">
+            <a:extLst>
+              <a:ext uri="{FF2B5EF4-FFF2-40B4-BE49-F238E27FC236}">
+                <a16:creationId xmlns:a16="http://schemas.microsoft.com/office/drawing/2014/main" id="{B66AEAD5-C25C-E045-155C-2AC26CF03D65}"/>
+              </a:ext>
+            </a:extLst>
+          </p:cNvPr>
+          <p:cNvPicPr>
+            <a:picLocks noChangeAspect="1" noChangeArrowheads="1"/>
+          </p:cNvPicPr>
+          <p:nvPr/>
+        </p:nvPicPr>
+        <p:blipFill>
+          <a:blip r:embed="rId2">
+            <a:extLst>
+              <a:ext uri="{28A0092B-C50C-407E-A947-70E740481C1C}">
+                <a14:useLocalDpi xmlns:a14="http://schemas.microsoft.com/office/drawing/2010/main" val="0"/>
+              </a:ext>
+            </a:extLst>
+          </a:blip>
+          <a:srcRect/>
+          <a:stretch>
+            <a:fillRect/>
+          </a:stretch>
+        </p:blipFill>
+        <p:spPr bwMode="auto">
+          <a:xfrm>
+            <a:off x="6275705" y="1205617"/>
+            <a:ext cx="4497070" cy="3310657"/>
+          </a:xfrm>
+          <a:prstGeom prst="rect">
+            <a:avLst/>
+          </a:prstGeom>
+          <a:noFill/>
+          <a:extLst>
+            <a:ext uri="{909E8E84-426E-40DD-AFC4-6F175D3DCCD1}">
+              <a14:hiddenFill xmlns:a14="http://schemas.microsoft.com/office/drawing/2010/main">
+                <a:solidFill>
+                  <a:srgbClr val="FFFFFF"/>
+                </a:solidFill>
+              </a14:hiddenFill>
+            </a:ext>
+          </a:extLst>
+        </p:spPr>
+      </p:pic>
+      <p:sp>
+        <p:nvSpPr>
+          <p:cNvPr id="9" name="テキスト ボックス 8">
+            <a:extLst>
+              <a:ext uri="{FF2B5EF4-FFF2-40B4-BE49-F238E27FC236}">
+                <a16:creationId xmlns:a16="http://schemas.microsoft.com/office/drawing/2014/main" id="{237EBFC5-0100-3091-7E54-92A6034614B3}"/>
+              </a:ext>
+            </a:extLst>
+          </p:cNvPr>
+          <p:cNvSpPr txBox="1"/>
+          <p:nvPr/>
+        </p:nvSpPr>
+        <p:spPr>
+          <a:xfrm>
+            <a:off x="6899000" y="3418634"/>
+            <a:ext cx="492443" cy="461665"/>
+          </a:xfrm>
+          <a:prstGeom prst="rect">
+            <a:avLst/>
+          </a:prstGeom>
+          <a:noFill/>
+        </p:spPr>
+        <p:txBody>
+          <a:bodyPr wrap="none" rtlCol="0">
+            <a:spAutoFit/>
+          </a:bodyPr>
+          <a:lstStyle/>
+          <a:p>
+            <a:pPr algn="l"/>
+            <a:r>
+              <a:rPr kumimoji="1" lang="ja-JP" altLang="en-US" sz="2400" dirty="0">
+                <a:solidFill>
+                  <a:schemeClr val="accent4">
+                    <a:lumMod val="60000"/>
+                    <a:lumOff val="40000"/>
+                  </a:schemeClr>
+                </a:solidFill>
+                <a:latin typeface="メイリオ" panose="020B0604030504040204" pitchFamily="50" charset="-128"/>
+                <a:ea typeface="メイリオ" panose="020B0604030504040204" pitchFamily="50" charset="-128"/>
+              </a:rPr>
+              <a:t>●</a:t>
+            </a:r>
+          </a:p>
+        </p:txBody>
+      </p:sp>
+      <p:sp>
+        <p:nvSpPr>
+          <p:cNvPr id="10" name="テキスト ボックス 9">
+            <a:extLst>
+              <a:ext uri="{FF2B5EF4-FFF2-40B4-BE49-F238E27FC236}">
+                <a16:creationId xmlns:a16="http://schemas.microsoft.com/office/drawing/2014/main" id="{08B51688-D6A7-B96D-E9DC-6866C73F14DE}"/>
+              </a:ext>
+            </a:extLst>
+          </p:cNvPr>
+          <p:cNvSpPr txBox="1"/>
+          <p:nvPr/>
+        </p:nvSpPr>
+        <p:spPr>
+          <a:xfrm>
+            <a:off x="7468844" y="1260193"/>
+            <a:ext cx="492443" cy="461665"/>
+          </a:xfrm>
+          <a:prstGeom prst="rect">
+            <a:avLst/>
+          </a:prstGeom>
+          <a:noFill/>
+        </p:spPr>
+        <p:txBody>
+          <a:bodyPr wrap="none" rtlCol="0">
+            <a:spAutoFit/>
+          </a:bodyPr>
+          <a:lstStyle/>
+          <a:p>
+            <a:pPr algn="l"/>
+            <a:r>
+              <a:rPr kumimoji="1" lang="ja-JP" altLang="en-US" sz="2400" dirty="0">
+                <a:solidFill>
+                  <a:schemeClr val="accent4">
+                    <a:lumMod val="60000"/>
+                    <a:lumOff val="40000"/>
+                  </a:schemeClr>
+                </a:solidFill>
+                <a:latin typeface="メイリオ" panose="020B0604030504040204" pitchFamily="50" charset="-128"/>
+                <a:ea typeface="メイリオ" panose="020B0604030504040204" pitchFamily="50" charset="-128"/>
+              </a:rPr>
+              <a:t>●</a:t>
+            </a:r>
+          </a:p>
+        </p:txBody>
+      </p:sp>
+      <p:sp>
+        <p:nvSpPr>
+          <p:cNvPr id="13" name="テキスト ボックス 12">
+            <a:extLst>
+              <a:ext uri="{FF2B5EF4-FFF2-40B4-BE49-F238E27FC236}">
+                <a16:creationId xmlns:a16="http://schemas.microsoft.com/office/drawing/2014/main" id="{FE934083-C53D-A803-449B-1C16AC829C31}"/>
+              </a:ext>
+            </a:extLst>
+          </p:cNvPr>
+          <p:cNvSpPr txBox="1"/>
+          <p:nvPr/>
+        </p:nvSpPr>
+        <p:spPr>
+          <a:xfrm>
+            <a:off x="7235222" y="4246615"/>
+            <a:ext cx="2864887" cy="461665"/>
+          </a:xfrm>
+          <a:prstGeom prst="rect">
+            <a:avLst/>
+          </a:prstGeom>
+          <a:noFill/>
+        </p:spPr>
+        <p:txBody>
+          <a:bodyPr wrap="none" rtlCol="0">
+            <a:spAutoFit/>
+          </a:bodyPr>
+          <a:lstStyle/>
+          <a:p>
+            <a:pPr algn="l"/>
+            <a:r>
+              <a:rPr kumimoji="1" lang="en-US" altLang="ja-JP" sz="2400" dirty="0">
+                <a:latin typeface="メイリオ" panose="020B0604030504040204" pitchFamily="50" charset="-128"/>
+                <a:ea typeface="メイリオ" panose="020B0604030504040204" pitchFamily="50" charset="-128"/>
+              </a:rPr>
+              <a:t>K=3 : </a:t>
+            </a:r>
+            <a:r>
+              <a:rPr kumimoji="1" lang="ja-JP" altLang="en-US" sz="2400" dirty="0">
+                <a:solidFill>
+                  <a:srgbClr val="FF0000"/>
+                </a:solidFill>
+                <a:latin typeface="メイリオ" panose="020B0604030504040204" pitchFamily="50" charset="-128"/>
+                <a:ea typeface="メイリオ" panose="020B0604030504040204" pitchFamily="50" charset="-128"/>
+              </a:rPr>
+              <a:t>★</a:t>
+            </a:r>
+            <a:r>
+              <a:rPr kumimoji="1" lang="ja-JP" altLang="en-US" sz="2400" dirty="0">
+                <a:latin typeface="メイリオ" panose="020B0604030504040204" pitchFamily="50" charset="-128"/>
+                <a:ea typeface="メイリオ" panose="020B0604030504040204" pitchFamily="50" charset="-128"/>
+              </a:rPr>
+              <a:t>は</a:t>
+            </a:r>
+            <a:r>
+              <a:rPr kumimoji="1" lang="en-US" altLang="ja-JP" sz="2400" dirty="0">
+                <a:latin typeface="メイリオ" panose="020B0604030504040204" pitchFamily="50" charset="-128"/>
+                <a:ea typeface="メイリオ" panose="020B0604030504040204" pitchFamily="50" charset="-128"/>
+              </a:rPr>
+              <a:t>Class B</a:t>
+            </a:r>
+            <a:endParaRPr kumimoji="1" lang="ja-JP" altLang="en-US" sz="2400" dirty="0">
+              <a:latin typeface="メイリオ" panose="020B0604030504040204" pitchFamily="50" charset="-128"/>
+              <a:ea typeface="メイリオ" panose="020B0604030504040204" pitchFamily="50" charset="-128"/>
+            </a:endParaRPr>
+          </a:p>
+        </p:txBody>
+      </p:sp>
+      <p:sp>
+        <p:nvSpPr>
+          <p:cNvPr id="14" name="テキスト ボックス 13">
+            <a:extLst>
+              <a:ext uri="{FF2B5EF4-FFF2-40B4-BE49-F238E27FC236}">
+                <a16:creationId xmlns:a16="http://schemas.microsoft.com/office/drawing/2014/main" id="{24CB0954-FCFC-B8F7-0482-02A2C0433FC9}"/>
+              </a:ext>
+            </a:extLst>
+          </p:cNvPr>
+          <p:cNvSpPr txBox="1"/>
+          <p:nvPr/>
+        </p:nvSpPr>
+        <p:spPr>
+          <a:xfrm>
+            <a:off x="7233619" y="4664253"/>
+            <a:ext cx="2866490" cy="461665"/>
+          </a:xfrm>
+          <a:prstGeom prst="rect">
+            <a:avLst/>
+          </a:prstGeom>
+          <a:noFill/>
+        </p:spPr>
+        <p:txBody>
+          <a:bodyPr wrap="none" rtlCol="0">
+            <a:spAutoFit/>
+          </a:bodyPr>
+          <a:lstStyle/>
+          <a:p>
+            <a:pPr algn="l"/>
+            <a:r>
+              <a:rPr kumimoji="1" lang="en-US" altLang="ja-JP" sz="2400" dirty="0">
+                <a:latin typeface="メイリオ" panose="020B0604030504040204" pitchFamily="50" charset="-128"/>
+                <a:ea typeface="メイリオ" panose="020B0604030504040204" pitchFamily="50" charset="-128"/>
+              </a:rPr>
+              <a:t>K=6 : </a:t>
+            </a:r>
+            <a:r>
+              <a:rPr kumimoji="1" lang="ja-JP" altLang="en-US" sz="2400" dirty="0">
+                <a:solidFill>
+                  <a:srgbClr val="FF0000"/>
+                </a:solidFill>
+                <a:latin typeface="メイリオ" panose="020B0604030504040204" pitchFamily="50" charset="-128"/>
+                <a:ea typeface="メイリオ" panose="020B0604030504040204" pitchFamily="50" charset="-128"/>
+              </a:rPr>
+              <a:t>★</a:t>
+            </a:r>
+            <a:r>
+              <a:rPr kumimoji="1" lang="ja-JP" altLang="en-US" sz="2400" dirty="0">
+                <a:latin typeface="メイリオ" panose="020B0604030504040204" pitchFamily="50" charset="-128"/>
+                <a:ea typeface="メイリオ" panose="020B0604030504040204" pitchFamily="50" charset="-128"/>
+              </a:rPr>
+              <a:t>は</a:t>
+            </a:r>
+            <a:r>
+              <a:rPr kumimoji="1" lang="en-US" altLang="ja-JP" sz="2400" dirty="0">
+                <a:latin typeface="メイリオ" panose="020B0604030504040204" pitchFamily="50" charset="-128"/>
+                <a:ea typeface="メイリオ" panose="020B0604030504040204" pitchFamily="50" charset="-128"/>
+              </a:rPr>
+              <a:t>Class A</a:t>
+            </a:r>
+            <a:endParaRPr kumimoji="1" lang="ja-JP" altLang="en-US" sz="2400" dirty="0">
+              <a:latin typeface="メイリオ" panose="020B0604030504040204" pitchFamily="50" charset="-128"/>
+              <a:ea typeface="メイリオ" panose="020B0604030504040204" pitchFamily="50" charset="-128"/>
+            </a:endParaRPr>
+          </a:p>
+        </p:txBody>
+      </p:sp>
+      <p:graphicFrame>
+        <p:nvGraphicFramePr>
+          <p:cNvPr id="18" name="図表 17">
+            <a:extLst>
+              <a:ext uri="{FF2B5EF4-FFF2-40B4-BE49-F238E27FC236}">
+                <a16:creationId xmlns:a16="http://schemas.microsoft.com/office/drawing/2014/main" id="{5A6A8792-1AE3-BD6C-04E1-92671CFEF200}"/>
+              </a:ext>
+            </a:extLst>
+          </p:cNvPr>
+          <p:cNvGraphicFramePr/>
+          <p:nvPr/>
+        </p:nvGraphicFramePr>
+        <p:xfrm>
+          <a:off x="1974575" y="5154415"/>
+          <a:ext cx="9072876" cy="830997"/>
+        </p:xfrm>
+        <a:graphic>
+          <a:graphicData uri="http://schemas.openxmlformats.org/drawingml/2006/diagram">
+            <dgm:relIds xmlns:dgm="http://schemas.openxmlformats.org/drawingml/2006/diagram" xmlns:r="http://schemas.openxmlformats.org/officeDocument/2006/relationships" r:dm="rId3" r:lo="rId4" r:qs="rId5" r:cs="rId6"/>
+          </a:graphicData>
+        </a:graphic>
+      </p:graphicFrame>
+      <p:sp>
+        <p:nvSpPr>
+          <p:cNvPr id="19" name="テキスト ボックス 18">
+            <a:extLst>
+              <a:ext uri="{FF2B5EF4-FFF2-40B4-BE49-F238E27FC236}">
+                <a16:creationId xmlns:a16="http://schemas.microsoft.com/office/drawing/2014/main" id="{A023EEA0-2B33-9711-ED46-45F183E742C2}"/>
+              </a:ext>
+            </a:extLst>
+          </p:cNvPr>
+          <p:cNvSpPr txBox="1"/>
+          <p:nvPr/>
+        </p:nvSpPr>
+        <p:spPr>
+          <a:xfrm>
+            <a:off x="874380" y="6001162"/>
+            <a:ext cx="10965195" cy="923330"/>
+          </a:xfrm>
+          <a:prstGeom prst="rect">
+            <a:avLst/>
+          </a:prstGeom>
+          <a:noFill/>
+        </p:spPr>
+        <p:txBody>
+          <a:bodyPr wrap="square" rtlCol="0">
+            <a:spAutoFit/>
+          </a:bodyPr>
+          <a:lstStyle/>
+          <a:p>
+            <a:pPr algn="l"/>
+            <a:r>
+              <a:rPr kumimoji="1" lang="ja-JP" altLang="en-US" dirty="0">
+                <a:latin typeface="メイリオ" panose="020B0604030504040204" pitchFamily="50" charset="-128"/>
+                <a:ea typeface="メイリオ" panose="020B0604030504040204" pitchFamily="50" charset="-128"/>
+              </a:rPr>
+              <a:t>（注）★が与えられた都度円が変わる。つまり今まで述べてきた固定的な決定境界を引いているわけではないので学習してないとも言える（</a:t>
+            </a:r>
+            <a:r>
+              <a:rPr kumimoji="1" lang="en-US" altLang="ja-JP" dirty="0">
+                <a:latin typeface="メイリオ" panose="020B0604030504040204" pitchFamily="50" charset="-128"/>
+                <a:ea typeface="メイリオ" panose="020B0604030504040204" pitchFamily="50" charset="-128"/>
+              </a:rPr>
+              <a:t>p.179</a:t>
+            </a:r>
+            <a:r>
+              <a:rPr kumimoji="1" lang="ja-JP" altLang="en-US" dirty="0">
+                <a:latin typeface="メイリオ" panose="020B0604030504040204" pitchFamily="50" charset="-128"/>
+                <a:ea typeface="メイリオ" panose="020B0604030504040204" pitchFamily="50" charset="-128"/>
+              </a:rPr>
+              <a:t>中段：「</a:t>
+            </a:r>
+            <a:r>
+              <a:rPr kumimoji="1" lang="en-US" altLang="ja-JP" dirty="0">
+                <a:latin typeface="メイリオ" panose="020B0604030504040204" pitchFamily="50" charset="-128"/>
+                <a:ea typeface="メイリオ" panose="020B0604030504040204" pitchFamily="50" charset="-128"/>
+              </a:rPr>
+              <a:t>KNN</a:t>
+            </a:r>
+            <a:r>
+              <a:rPr kumimoji="1" lang="ja-JP" altLang="en-US" dirty="0">
+                <a:latin typeface="メイリオ" panose="020B0604030504040204" pitchFamily="50" charset="-128"/>
+                <a:ea typeface="メイリオ" panose="020B0604030504040204" pitchFamily="50" charset="-128"/>
+              </a:rPr>
+              <a:t>には学習というフェーズがない」）が、</a:t>
+            </a:r>
+            <a:r>
+              <a:rPr kumimoji="1" lang="en-US" altLang="ja-JP" dirty="0">
+                <a:latin typeface="メイリオ" panose="020B0604030504040204" pitchFamily="50" charset="-128"/>
+                <a:ea typeface="メイリオ" panose="020B0604030504040204" pitchFamily="50" charset="-128"/>
+              </a:rPr>
+              <a:t>K</a:t>
+            </a:r>
+            <a:r>
+              <a:rPr kumimoji="1" lang="ja-JP" altLang="en-US" dirty="0">
+                <a:latin typeface="メイリオ" panose="020B0604030504040204" pitchFamily="50" charset="-128"/>
+                <a:ea typeface="メイリオ" panose="020B0604030504040204" pitchFamily="50" charset="-128"/>
+              </a:rPr>
+              <a:t>を決めることが円の大きさを決めるので学習とみなします。</a:t>
+            </a:r>
+          </a:p>
+        </p:txBody>
+      </p:sp>
+    </p:spTree>
+    <p:extLst>
+      <p:ext uri="{BB962C8B-B14F-4D97-AF65-F5344CB8AC3E}">
+        <p14:creationId xmlns:p14="http://schemas.microsoft.com/office/powerpoint/2010/main" val="2043508112"/>
+      </p:ext>
+    </p:extLst>
+  </p:cSld>
+  <p:clrMapOvr>
+    <a:masterClrMapping/>
+  </p:clrMapOvr>
+</p:sld>
+</file>
+
+<file path=ppt/slides/slide11.xml><?xml version="1.0" encoding="utf-8"?>
+<p:sld xmlns:a="http://schemas.openxmlformats.org/drawingml/2006/main" xmlns:r="http://schemas.openxmlformats.org/officeDocument/2006/relationships" xmlns:p="http://schemas.openxmlformats.org/presentationml/2006/main">
+  <p:cSld>
+    <p:spTree>
+      <p:nvGrpSpPr>
+        <p:cNvPr id="1" name=""/>
+        <p:cNvGrpSpPr/>
+        <p:nvPr/>
+      </p:nvGrpSpPr>
+      <p:grpSpPr>
+        <a:xfrm>
+          <a:off x="0" y="0"/>
+          <a:ext cx="0" cy="0"/>
+          <a:chOff x="0" y="0"/>
+          <a:chExt cx="0" cy="0"/>
+        </a:xfrm>
+      </p:grpSpPr>
       <p:sp>
         <p:nvSpPr>
           <p:cNvPr id="2" name="テキスト ボックス 1">
@@ -11372,148 +12089,6 @@
     <p:extLst>
       <p:ext uri="{BB962C8B-B14F-4D97-AF65-F5344CB8AC3E}">
         <p14:creationId xmlns:p14="http://schemas.microsoft.com/office/powerpoint/2010/main" val="2952893351"/>
-      </p:ext>
-    </p:extLst>
-  </p:cSld>
-  <p:clrMapOvr>
-    <a:masterClrMapping/>
-  </p:clrMapOvr>
-</p:sld>
-</file>
-
-<file path=ppt/slides/slide11.xml><?xml version="1.0" encoding="utf-8"?>
-<p:sld xmlns:a="http://schemas.openxmlformats.org/drawingml/2006/main" xmlns:r="http://schemas.openxmlformats.org/officeDocument/2006/relationships" xmlns:p="http://schemas.openxmlformats.org/presentationml/2006/main">
-  <p:cSld>
-    <p:spTree>
-      <p:nvGrpSpPr>
-        <p:cNvPr id="1" name=""/>
-        <p:cNvGrpSpPr/>
-        <p:nvPr/>
-      </p:nvGrpSpPr>
-      <p:grpSpPr>
-        <a:xfrm>
-          <a:off x="0" y="0"/>
-          <a:ext cx="0" cy="0"/>
-          <a:chOff x="0" y="0"/>
-          <a:chExt cx="0" cy="0"/>
-        </a:xfrm>
-      </p:grpSpPr>
-      <p:sp>
-        <p:nvSpPr>
-          <p:cNvPr id="2" name="テキスト ボックス 1">
-            <a:extLst>
-              <a:ext uri="{FF2B5EF4-FFF2-40B4-BE49-F238E27FC236}">
-                <a16:creationId xmlns:a16="http://schemas.microsoft.com/office/drawing/2014/main" id="{A43640BE-330B-45CB-B729-639A43439E65}"/>
-              </a:ext>
-            </a:extLst>
-          </p:cNvPr>
-          <p:cNvSpPr txBox="1"/>
-          <p:nvPr/>
-        </p:nvSpPr>
-        <p:spPr>
-          <a:xfrm>
-            <a:off x="736285" y="2505997"/>
-            <a:ext cx="10225876" cy="954107"/>
-          </a:xfrm>
-          <a:prstGeom prst="rect">
-            <a:avLst/>
-          </a:prstGeom>
-          <a:noFill/>
-        </p:spPr>
-        <p:txBody>
-          <a:bodyPr wrap="none" rtlCol="0">
-            <a:spAutoFit/>
-          </a:bodyPr>
-          <a:lstStyle/>
-          <a:p>
-            <a:pPr marL="342900" indent="-342900">
-              <a:buFont typeface="Wingdings" panose="05000000000000000000" pitchFamily="2" charset="2"/>
-              <a:buChar char="l"/>
-            </a:pPr>
-            <a:r>
-              <a:rPr kumimoji="1" lang="ja-JP" altLang="en-US" sz="2800" dirty="0">
-                <a:latin typeface="メイリオ" panose="020B0604030504040204" pitchFamily="50" charset="-128"/>
-                <a:ea typeface="メイリオ" panose="020B0604030504040204" pitchFamily="50" charset="-128"/>
-              </a:rPr>
-              <a:t>教師あり機械学習にはハイパーパラメータがあることが多い</a:t>
-            </a:r>
-            <a:endParaRPr kumimoji="1" lang="en-US" altLang="ja-JP" sz="2800" dirty="0">
-              <a:latin typeface="メイリオ" panose="020B0604030504040204" pitchFamily="50" charset="-128"/>
-              <a:ea typeface="メイリオ" panose="020B0604030504040204" pitchFamily="50" charset="-128"/>
-            </a:endParaRPr>
-          </a:p>
-          <a:p>
-            <a:pPr marL="342900" indent="-342900">
-              <a:buFont typeface="Wingdings" panose="05000000000000000000" pitchFamily="2" charset="2"/>
-              <a:buChar char="l"/>
-            </a:pPr>
-            <a:r>
-              <a:rPr kumimoji="1" lang="ja-JP" altLang="en-US" sz="2800" dirty="0">
-                <a:latin typeface="メイリオ" panose="020B0604030504040204" pitchFamily="50" charset="-128"/>
-                <a:ea typeface="メイリオ" panose="020B0604030504040204" pitchFamily="50" charset="-128"/>
-              </a:rPr>
-              <a:t>ハイパーパラメータをいじると分類結果が変わることがある</a:t>
-            </a:r>
-          </a:p>
-        </p:txBody>
-      </p:sp>
-      <p:sp>
-        <p:nvSpPr>
-          <p:cNvPr id="3" name="テキスト ボックス 2">
-            <a:extLst>
-              <a:ext uri="{FF2B5EF4-FFF2-40B4-BE49-F238E27FC236}">
-                <a16:creationId xmlns:a16="http://schemas.microsoft.com/office/drawing/2014/main" id="{ED396D39-2727-483B-9611-D160FFECBD86}"/>
-              </a:ext>
-            </a:extLst>
-          </p:cNvPr>
-          <p:cNvSpPr txBox="1"/>
-          <p:nvPr/>
-        </p:nvSpPr>
-        <p:spPr>
-          <a:xfrm>
-            <a:off x="2546791" y="4704081"/>
-            <a:ext cx="7098418" cy="461665"/>
-          </a:xfrm>
-          <a:prstGeom prst="rect">
-            <a:avLst/>
-          </a:prstGeom>
-          <a:noFill/>
-        </p:spPr>
-        <p:txBody>
-          <a:bodyPr wrap="none" rtlCol="0">
-            <a:spAutoFit/>
-          </a:bodyPr>
-          <a:lstStyle/>
-          <a:p>
-            <a:pPr algn="l"/>
-            <a:r>
-              <a:rPr kumimoji="1" lang="ja-JP" altLang="en-US" sz="2400" b="1" dirty="0">
-                <a:latin typeface="メイリオ" panose="020B0604030504040204" pitchFamily="50" charset="-128"/>
-                <a:ea typeface="メイリオ" panose="020B0604030504040204" pitchFamily="50" charset="-128"/>
-              </a:rPr>
-              <a:t>もし　</a:t>
-            </a:r>
-            <a:r>
-              <a:rPr kumimoji="1" lang="en-US" altLang="ja-JP" sz="2400" b="1" dirty="0">
-                <a:latin typeface="メイリオ" panose="020B0604030504040204" pitchFamily="50" charset="-128"/>
-                <a:ea typeface="メイリオ" panose="020B0604030504040204" pitchFamily="50" charset="-128"/>
-              </a:rPr>
-              <a:t>K=</a:t>
-            </a:r>
-            <a:r>
-              <a:rPr kumimoji="1" lang="ja-JP" altLang="en-US" sz="2400" b="1" dirty="0">
-                <a:latin typeface="メイリオ" panose="020B0604030504040204" pitchFamily="50" charset="-128"/>
-                <a:ea typeface="メイリオ" panose="020B0604030504040204" pitchFamily="50" charset="-128"/>
-              </a:rPr>
-              <a:t>訓練データの総数　だとどうなるか？　</a:t>
-            </a:r>
-          </a:p>
-        </p:txBody>
-      </p:sp>
-    </p:spTree>
-    <p:extLst>
-      <p:ext uri="{BB962C8B-B14F-4D97-AF65-F5344CB8AC3E}">
-        <p14:creationId xmlns:p14="http://schemas.microsoft.com/office/powerpoint/2010/main" val="3112075394"/>
       </p:ext>
     </p:extLst>
   </p:cSld>
@@ -12091,8 +12666,8 @@
           </p:sp>
         </mc:Fallback>
       </mc:AlternateContent>
-      <mc:AlternateContent xmlns:mc="http://schemas.openxmlformats.org/markup-compatibility/2006">
-        <mc:Choice xmlns:a14="http://schemas.microsoft.com/office/drawing/2010/main" Requires="a14">
+      <mc:AlternateContent xmlns:mc="http://schemas.openxmlformats.org/markup-compatibility/2006" xmlns:a14="http://schemas.microsoft.com/office/drawing/2010/main">
+        <mc:Choice Requires="a14">
           <p:sp>
             <p:nvSpPr>
               <p:cNvPr id="16" name="テキスト ボックス 15">
@@ -12249,7 +12824,7 @@
             </p:txBody>
           </p:sp>
         </mc:Choice>
-        <mc:Fallback>
+        <mc:Fallback xmlns="">
           <p:sp>
             <p:nvSpPr>
               <p:cNvPr id="16" name="テキスト ボックス 15">
@@ -12815,8 +13390,8 @@
           </a:p>
         </p:txBody>
       </p:sp>
-      <mc:AlternateContent xmlns:mc="http://schemas.openxmlformats.org/markup-compatibility/2006">
-        <mc:Choice xmlns:a14="http://schemas.microsoft.com/office/drawing/2010/main" Requires="a14">
+      <mc:AlternateContent xmlns:mc="http://schemas.openxmlformats.org/markup-compatibility/2006" xmlns:a14="http://schemas.microsoft.com/office/drawing/2010/main">
+        <mc:Choice Requires="a14">
           <p:sp>
             <p:nvSpPr>
               <p:cNvPr id="6" name="テキスト ボックス 5">
@@ -12893,7 +13468,7 @@
             </p:txBody>
           </p:sp>
         </mc:Choice>
-        <mc:Fallback>
+        <mc:Fallback xmlns="">
           <p:sp>
             <p:nvSpPr>
               <p:cNvPr id="6" name="テキスト ボックス 5">
@@ -12938,8 +13513,8 @@
           </p:sp>
         </mc:Fallback>
       </mc:AlternateContent>
-      <mc:AlternateContent xmlns:mc="http://schemas.openxmlformats.org/markup-compatibility/2006">
-        <mc:Choice xmlns:a14="http://schemas.microsoft.com/office/drawing/2010/main" Requires="a14">
+      <mc:AlternateContent xmlns:mc="http://schemas.openxmlformats.org/markup-compatibility/2006" xmlns:a14="http://schemas.microsoft.com/office/drawing/2010/main">
+        <mc:Choice Requires="a14">
           <p:sp>
             <p:nvSpPr>
               <p:cNvPr id="9" name="テキスト ボックス 8">
@@ -13016,7 +13591,7 @@
             </p:txBody>
           </p:sp>
         </mc:Choice>
-        <mc:Fallback>
+        <mc:Fallback xmlns="">
           <p:sp>
             <p:nvSpPr>
               <p:cNvPr id="9" name="テキスト ボックス 8">
@@ -13061,8 +13636,8 @@
           </p:sp>
         </mc:Fallback>
       </mc:AlternateContent>
-      <mc:AlternateContent xmlns:mc="http://schemas.openxmlformats.org/markup-compatibility/2006">
-        <mc:Choice xmlns:a14="http://schemas.microsoft.com/office/drawing/2010/main" Requires="a14">
+      <mc:AlternateContent xmlns:mc="http://schemas.openxmlformats.org/markup-compatibility/2006" xmlns:a14="http://schemas.microsoft.com/office/drawing/2010/main">
+        <mc:Choice Requires="a14">
           <p:sp>
             <p:nvSpPr>
               <p:cNvPr id="13" name="テキスト ボックス 12">
@@ -13121,7 +13696,7 @@
             </p:txBody>
           </p:sp>
         </mc:Choice>
-        <mc:Fallback>
+        <mc:Fallback xmlns="">
           <p:sp>
             <p:nvSpPr>
               <p:cNvPr id="13" name="テキスト ボックス 12">
@@ -31035,8 +31610,8 @@
           </a:p>
         </p:txBody>
       </p:sp>
-      <mc:AlternateContent xmlns:mc="http://schemas.openxmlformats.org/markup-compatibility/2006">
-        <mc:Choice xmlns:a14="http://schemas.microsoft.com/office/drawing/2010/main" Requires="a14">
+      <mc:AlternateContent xmlns:mc="http://schemas.openxmlformats.org/markup-compatibility/2006" xmlns:a14="http://schemas.microsoft.com/office/drawing/2010/main">
+        <mc:Choice Requires="a14">
           <p:sp>
             <p:nvSpPr>
               <p:cNvPr id="9" name="テキスト ボックス 8">
@@ -31113,7 +31688,7 @@
             </p:txBody>
           </p:sp>
         </mc:Choice>
-        <mc:Fallback>
+        <mc:Fallback xmlns="">
           <p:sp>
             <p:nvSpPr>
               <p:cNvPr id="9" name="テキスト ボックス 8">
@@ -31158,8 +31733,8 @@
           </p:sp>
         </mc:Fallback>
       </mc:AlternateContent>
-      <mc:AlternateContent xmlns:mc="http://schemas.openxmlformats.org/markup-compatibility/2006">
-        <mc:Choice xmlns:a14="http://schemas.microsoft.com/office/drawing/2010/main" Requires="a14">
+      <mc:AlternateContent xmlns:mc="http://schemas.openxmlformats.org/markup-compatibility/2006" xmlns:a14="http://schemas.microsoft.com/office/drawing/2010/main">
+        <mc:Choice Requires="a14">
           <p:sp>
             <p:nvSpPr>
               <p:cNvPr id="14" name="テキスト ボックス 13">
@@ -31236,7 +31811,7 @@
             </p:txBody>
           </p:sp>
         </mc:Choice>
-        <mc:Fallback>
+        <mc:Fallback xmlns="">
           <p:sp>
             <p:nvSpPr>
               <p:cNvPr id="14" name="テキスト ボックス 13">
@@ -31311,59 +31886,12 @@
           <a:chExt cx="0" cy="0"/>
         </a:xfrm>
       </p:grpSpPr>
-      <p:pic>
-        <p:nvPicPr>
-          <p:cNvPr id="2" name="Picture 2" descr="スクリーンショット 2016-05-04 3.33.02.png">
+      <p:sp>
+        <p:nvSpPr>
+          <p:cNvPr id="2" name="テキスト ボックス 1">
             <a:extLst>
               <a:ext uri="{FF2B5EF4-FFF2-40B4-BE49-F238E27FC236}">
-                <a16:creationId xmlns:a16="http://schemas.microsoft.com/office/drawing/2014/main" id="{47BADEAE-9B6E-ED3E-4A19-F89F9A9775F7}"/>
-              </a:ext>
-            </a:extLst>
-          </p:cNvPr>
-          <p:cNvPicPr>
-            <a:picLocks noChangeAspect="1" noChangeArrowheads="1"/>
-          </p:cNvPicPr>
-          <p:nvPr/>
-        </p:nvPicPr>
-        <p:blipFill>
-          <a:blip r:embed="rId2">
-            <a:extLst>
-              <a:ext uri="{28A0092B-C50C-407E-A947-70E740481C1C}">
-                <a14:useLocalDpi xmlns:a14="http://schemas.microsoft.com/office/drawing/2010/main" val="0"/>
-              </a:ext>
-            </a:extLst>
-          </a:blip>
-          <a:srcRect/>
-          <a:stretch>
-            <a:fillRect/>
-          </a:stretch>
-        </p:blipFill>
-        <p:spPr bwMode="auto">
-          <a:xfrm>
-            <a:off x="1351280" y="1151041"/>
-            <a:ext cx="4497070" cy="3310657"/>
-          </a:xfrm>
-          <a:prstGeom prst="rect">
-            <a:avLst/>
-          </a:prstGeom>
-          <a:noFill/>
-          <a:extLst>
-            <a:ext uri="{909E8E84-426E-40DD-AFC4-6F175D3DCCD1}">
-              <a14:hiddenFill xmlns:a14="http://schemas.microsoft.com/office/drawing/2010/main">
-                <a:solidFill>
-                  <a:srgbClr val="FFFFFF"/>
-                </a:solidFill>
-              </a14:hiddenFill>
-            </a:ext>
-          </a:extLst>
-        </p:spPr>
-      </p:pic>
-      <p:sp>
-        <p:nvSpPr>
-          <p:cNvPr id="3" name="テキスト ボックス 2">
-            <a:extLst>
-              <a:ext uri="{FF2B5EF4-FFF2-40B4-BE49-F238E27FC236}">
-                <a16:creationId xmlns:a16="http://schemas.microsoft.com/office/drawing/2014/main" id="{E7A76A66-6B5C-7F5C-0FC7-3DDC67D79355}"/>
+                <a16:creationId xmlns:a16="http://schemas.microsoft.com/office/drawing/2014/main" id="{A43640BE-330B-45CB-B729-639A43439E65}"/>
               </a:ext>
             </a:extLst>
           </p:cNvPr>
@@ -31372,8 +31900,8 @@
         </p:nvSpPr>
         <p:spPr>
           <a:xfrm>
-            <a:off x="1974575" y="3364058"/>
-            <a:ext cx="492443" cy="461665"/>
+            <a:off x="736285" y="2505997"/>
+            <a:ext cx="10225876" cy="954107"/>
           </a:xfrm>
           <a:prstGeom prst="rect">
             <a:avLst/>
@@ -31386,29 +31914,43 @@
           </a:bodyPr>
           <a:lstStyle/>
           <a:p>
-            <a:pPr algn="l"/>
-            <a:r>
-              <a:rPr kumimoji="1" lang="ja-JP" altLang="en-US" sz="2400" dirty="0">
-                <a:solidFill>
-                  <a:schemeClr val="accent4">
-                    <a:lumMod val="60000"/>
-                    <a:lumOff val="40000"/>
-                  </a:schemeClr>
-                </a:solidFill>
-                <a:latin typeface="メイリオ" panose="020B0604030504040204" pitchFamily="50" charset="-128"/>
-                <a:ea typeface="メイリオ" panose="020B0604030504040204" pitchFamily="50" charset="-128"/>
-              </a:rPr>
-              <a:t>●</a:t>
+            <a:pPr marL="342900" indent="-342900">
+              <a:buFont typeface="Wingdings" panose="05000000000000000000" pitchFamily="2" charset="2"/>
+              <a:buChar char="l"/>
+            </a:pPr>
+            <a:r>
+              <a:rPr kumimoji="1" lang="ja-JP" altLang="en-US" sz="2800" dirty="0">
+                <a:latin typeface="メイリオ" panose="020B0604030504040204" pitchFamily="50" charset="-128"/>
+                <a:ea typeface="メイリオ" panose="020B0604030504040204" pitchFamily="50" charset="-128"/>
+              </a:rPr>
+              <a:t>教師あり機械学習にはハイパーパラメータがあることが多い</a:t>
+            </a:r>
+            <a:endParaRPr kumimoji="1" lang="en-US" altLang="ja-JP" sz="2800" dirty="0">
+              <a:latin typeface="メイリオ" panose="020B0604030504040204" pitchFamily="50" charset="-128"/>
+              <a:ea typeface="メイリオ" panose="020B0604030504040204" pitchFamily="50" charset="-128"/>
+            </a:endParaRPr>
+          </a:p>
+          <a:p>
+            <a:pPr marL="342900" indent="-342900">
+              <a:buFont typeface="Wingdings" panose="05000000000000000000" pitchFamily="2" charset="2"/>
+              <a:buChar char="l"/>
+            </a:pPr>
+            <a:r>
+              <a:rPr kumimoji="1" lang="ja-JP" altLang="en-US" sz="2800" dirty="0">
+                <a:latin typeface="メイリオ" panose="020B0604030504040204" pitchFamily="50" charset="-128"/>
+                <a:ea typeface="メイリオ" panose="020B0604030504040204" pitchFamily="50" charset="-128"/>
+              </a:rPr>
+              <a:t>ハイパーパラメータをいじると分類結果が変わることがある</a:t>
             </a:r>
           </a:p>
         </p:txBody>
       </p:sp>
       <p:sp>
         <p:nvSpPr>
-          <p:cNvPr id="4" name="テキスト ボックス 3">
+          <p:cNvPr id="3" name="テキスト ボックス 2">
             <a:extLst>
               <a:ext uri="{FF2B5EF4-FFF2-40B4-BE49-F238E27FC236}">
-                <a16:creationId xmlns:a16="http://schemas.microsoft.com/office/drawing/2014/main" id="{F0EEF0E7-02DA-1EDA-BA1D-7CD05D79E283}"/>
+                <a16:creationId xmlns:a16="http://schemas.microsoft.com/office/drawing/2014/main" id="{ED396D39-2727-483B-9611-D160FFECBD86}"/>
               </a:ext>
             </a:extLst>
           </p:cNvPr>
@@ -31417,8 +31959,8 @@
         </p:nvSpPr>
         <p:spPr>
           <a:xfrm>
-            <a:off x="2544419" y="1205617"/>
-            <a:ext cx="492443" cy="461665"/>
+            <a:off x="2546791" y="4704081"/>
+            <a:ext cx="7098418" cy="461665"/>
           </a:xfrm>
           <a:prstGeom prst="rect">
             <a:avLst/>
@@ -31433,572 +31975,25 @@
           <a:p>
             <a:pPr algn="l"/>
             <a:r>
-              <a:rPr kumimoji="1" lang="ja-JP" altLang="en-US" sz="2400" dirty="0">
-                <a:solidFill>
-                  <a:schemeClr val="accent4">
-                    <a:lumMod val="60000"/>
-                    <a:lumOff val="40000"/>
-                  </a:schemeClr>
-                </a:solidFill>
-                <a:latin typeface="メイリオ" panose="020B0604030504040204" pitchFamily="50" charset="-128"/>
-                <a:ea typeface="メイリオ" panose="020B0604030504040204" pitchFamily="50" charset="-128"/>
-              </a:rPr>
-              <a:t>●</a:t>
-            </a:r>
-          </a:p>
-        </p:txBody>
-      </p:sp>
-      <p:sp>
-        <p:nvSpPr>
-          <p:cNvPr id="5" name="テキスト ボックス 4">
-            <a:extLst>
-              <a:ext uri="{FF2B5EF4-FFF2-40B4-BE49-F238E27FC236}">
-                <a16:creationId xmlns:a16="http://schemas.microsoft.com/office/drawing/2014/main" id="{31C561DB-6846-2052-5D3A-CAE5CC2CCE75}"/>
-              </a:ext>
-            </a:extLst>
-          </p:cNvPr>
-          <p:cNvSpPr txBox="1"/>
-          <p:nvPr/>
-        </p:nvSpPr>
-        <p:spPr>
-          <a:xfrm>
-            <a:off x="483005" y="395173"/>
-            <a:ext cx="4347665" cy="584775"/>
-          </a:xfrm>
-          <a:prstGeom prst="rect">
-            <a:avLst/>
-          </a:prstGeom>
-          <a:noFill/>
-        </p:spPr>
-        <p:txBody>
-          <a:bodyPr wrap="none" rtlCol="0">
-            <a:spAutoFit/>
-          </a:bodyPr>
-          <a:lstStyle/>
-          <a:p>
-            <a:pPr algn="l"/>
-            <a:r>
-              <a:rPr kumimoji="1" lang="en-US" altLang="ja-JP" sz="3200" dirty="0">
-                <a:latin typeface="メイリオ" panose="020B0604030504040204" pitchFamily="50" charset="-128"/>
-                <a:ea typeface="メイリオ" panose="020B0604030504040204" pitchFamily="50" charset="-128"/>
-              </a:rPr>
-              <a:t>KNN</a:t>
-            </a:r>
-            <a:r>
-              <a:rPr kumimoji="1" lang="ja-JP" altLang="en-US" sz="3200" dirty="0">
-                <a:latin typeface="メイリオ" panose="020B0604030504040204" pitchFamily="50" charset="-128"/>
-                <a:ea typeface="メイリオ" panose="020B0604030504040204" pitchFamily="50" charset="-128"/>
-              </a:rPr>
-              <a:t>による学習・予測</a:t>
-            </a:r>
-          </a:p>
-        </p:txBody>
-      </p:sp>
-      <p:sp>
-        <p:nvSpPr>
-          <p:cNvPr id="6" name="楕円 5">
-            <a:extLst>
-              <a:ext uri="{FF2B5EF4-FFF2-40B4-BE49-F238E27FC236}">
-                <a16:creationId xmlns:a16="http://schemas.microsoft.com/office/drawing/2014/main" id="{DF6481F8-0492-0D0A-CC2B-5BB6C0323B57}"/>
-              </a:ext>
-            </a:extLst>
-          </p:cNvPr>
-          <p:cNvSpPr/>
-          <p:nvPr/>
-        </p:nvSpPr>
-        <p:spPr>
-          <a:xfrm>
-            <a:off x="3333751" y="2569923"/>
-            <a:ext cx="342900" cy="371475"/>
-          </a:xfrm>
-          <a:prstGeom prst="ellipse">
-            <a:avLst/>
-          </a:prstGeom>
-          <a:solidFill>
-            <a:schemeClr val="bg1"/>
-          </a:solidFill>
-          <a:ln>
-            <a:solidFill>
-              <a:schemeClr val="bg1"/>
-            </a:solidFill>
-          </a:ln>
-        </p:spPr>
-        <p:style>
-          <a:lnRef idx="2">
-            <a:schemeClr val="accent1">
-              <a:shade val="50000"/>
-            </a:schemeClr>
-          </a:lnRef>
-          <a:fillRef idx="1">
-            <a:schemeClr val="accent1"/>
-          </a:fillRef>
-          <a:effectRef idx="0">
-            <a:schemeClr val="accent1"/>
-          </a:effectRef>
-          <a:fontRef idx="minor">
-            <a:schemeClr val="lt1"/>
-          </a:fontRef>
-        </p:style>
-        <p:txBody>
-          <a:bodyPr rtlCol="0" anchor="ctr"/>
-          <a:lstStyle/>
-          <a:p>
-            <a:pPr algn="ctr"/>
-            <a:endParaRPr kumimoji="1" lang="ja-JP" altLang="en-US"/>
-          </a:p>
-        </p:txBody>
-      </p:sp>
-      <p:sp>
-        <p:nvSpPr>
-          <p:cNvPr id="7" name="テキスト ボックス 6">
-            <a:extLst>
-              <a:ext uri="{FF2B5EF4-FFF2-40B4-BE49-F238E27FC236}">
-                <a16:creationId xmlns:a16="http://schemas.microsoft.com/office/drawing/2014/main" id="{39621FFF-83B7-160B-2205-C033DB38BD26}"/>
-              </a:ext>
-            </a:extLst>
-          </p:cNvPr>
-          <p:cNvSpPr txBox="1"/>
-          <p:nvPr/>
-        </p:nvSpPr>
-        <p:spPr>
-          <a:xfrm>
-            <a:off x="1666875" y="4360761"/>
-            <a:ext cx="4943475" cy="830997"/>
-          </a:xfrm>
-          <a:prstGeom prst="rect">
-            <a:avLst/>
-          </a:prstGeom>
-          <a:noFill/>
-        </p:spPr>
-        <p:txBody>
-          <a:bodyPr wrap="square" rtlCol="0">
-            <a:spAutoFit/>
-          </a:bodyPr>
-          <a:lstStyle/>
-          <a:p>
-            <a:pPr algn="l"/>
-            <a:r>
-              <a:rPr kumimoji="1" lang="ja-JP" altLang="en-US" sz="2400" dirty="0">
-                <a:latin typeface="メイリオ" panose="020B0604030504040204" pitchFamily="50" charset="-128"/>
-                <a:ea typeface="メイリオ" panose="020B0604030504040204" pitchFamily="50" charset="-128"/>
-              </a:rPr>
-              <a:t>最近傍の点の数</a:t>
-            </a:r>
-            <a:r>
-              <a:rPr kumimoji="1" lang="en-US" altLang="ja-JP" sz="2400" dirty="0">
-                <a:latin typeface="メイリオ" panose="020B0604030504040204" pitchFamily="50" charset="-128"/>
-                <a:ea typeface="メイリオ" panose="020B0604030504040204" pitchFamily="50" charset="-128"/>
-              </a:rPr>
-              <a:t>(K)</a:t>
-            </a:r>
-            <a:r>
-              <a:rPr kumimoji="1" lang="ja-JP" altLang="en-US" sz="2400" dirty="0">
-                <a:latin typeface="メイリオ" panose="020B0604030504040204" pitchFamily="50" charset="-128"/>
-                <a:ea typeface="メイリオ" panose="020B0604030504040204" pitchFamily="50" charset="-128"/>
-              </a:rPr>
-              <a:t>を決める（点線の円がいわば決定境界</a:t>
-            </a:r>
-            <a:r>
-              <a:rPr kumimoji="1" lang="en-US" altLang="ja-JP" sz="2400" dirty="0">
-                <a:latin typeface="メイリオ" panose="020B0604030504040204" pitchFamily="50" charset="-128"/>
-                <a:ea typeface="メイリオ" panose="020B0604030504040204" pitchFamily="50" charset="-128"/>
-              </a:rPr>
-              <a:t>(</a:t>
-            </a:r>
-            <a:r>
-              <a:rPr kumimoji="1" lang="ja-JP" altLang="en-US" sz="2400" dirty="0">
-                <a:latin typeface="メイリオ" panose="020B0604030504040204" pitchFamily="50" charset="-128"/>
-                <a:ea typeface="メイリオ" panose="020B0604030504040204" pitchFamily="50" charset="-128"/>
-              </a:rPr>
-              <a:t>注</a:t>
-            </a:r>
-            <a:r>
-              <a:rPr kumimoji="1" lang="en-US" altLang="ja-JP" sz="2400" dirty="0">
-                <a:latin typeface="メイリオ" panose="020B0604030504040204" pitchFamily="50" charset="-128"/>
-                <a:ea typeface="メイリオ" panose="020B0604030504040204" pitchFamily="50" charset="-128"/>
-              </a:rPr>
-              <a:t>)</a:t>
-            </a:r>
-            <a:r>
-              <a:rPr kumimoji="1" lang="ja-JP" altLang="en-US" sz="2400" dirty="0">
-                <a:latin typeface="メイリオ" panose="020B0604030504040204" pitchFamily="50" charset="-128"/>
-                <a:ea typeface="メイリオ" panose="020B0604030504040204" pitchFamily="50" charset="-128"/>
-              </a:rPr>
-              <a:t>）</a:t>
-            </a:r>
-          </a:p>
-        </p:txBody>
-      </p:sp>
-      <p:pic>
-        <p:nvPicPr>
-          <p:cNvPr id="8" name="Picture 2" descr="スクリーンショット 2016-05-04 3.33.02.png">
-            <a:extLst>
-              <a:ext uri="{FF2B5EF4-FFF2-40B4-BE49-F238E27FC236}">
-                <a16:creationId xmlns:a16="http://schemas.microsoft.com/office/drawing/2014/main" id="{B66AEAD5-C25C-E045-155C-2AC26CF03D65}"/>
-              </a:ext>
-            </a:extLst>
-          </p:cNvPr>
-          <p:cNvPicPr>
-            <a:picLocks noChangeAspect="1" noChangeArrowheads="1"/>
-          </p:cNvPicPr>
-          <p:nvPr/>
-        </p:nvPicPr>
-        <p:blipFill>
-          <a:blip r:embed="rId2">
-            <a:extLst>
-              <a:ext uri="{28A0092B-C50C-407E-A947-70E740481C1C}">
-                <a14:useLocalDpi xmlns:a14="http://schemas.microsoft.com/office/drawing/2010/main" val="0"/>
-              </a:ext>
-            </a:extLst>
-          </a:blip>
-          <a:srcRect/>
-          <a:stretch>
-            <a:fillRect/>
-          </a:stretch>
-        </p:blipFill>
-        <p:spPr bwMode="auto">
-          <a:xfrm>
-            <a:off x="6275705" y="1205617"/>
-            <a:ext cx="4497070" cy="3310657"/>
-          </a:xfrm>
-          <a:prstGeom prst="rect">
-            <a:avLst/>
-          </a:prstGeom>
-          <a:noFill/>
-          <a:extLst>
-            <a:ext uri="{909E8E84-426E-40DD-AFC4-6F175D3DCCD1}">
-              <a14:hiddenFill xmlns:a14="http://schemas.microsoft.com/office/drawing/2010/main">
-                <a:solidFill>
-                  <a:srgbClr val="FFFFFF"/>
-                </a:solidFill>
-              </a14:hiddenFill>
-            </a:ext>
-          </a:extLst>
-        </p:spPr>
-      </p:pic>
-      <p:sp>
-        <p:nvSpPr>
-          <p:cNvPr id="9" name="テキスト ボックス 8">
-            <a:extLst>
-              <a:ext uri="{FF2B5EF4-FFF2-40B4-BE49-F238E27FC236}">
-                <a16:creationId xmlns:a16="http://schemas.microsoft.com/office/drawing/2014/main" id="{237EBFC5-0100-3091-7E54-92A6034614B3}"/>
-              </a:ext>
-            </a:extLst>
-          </p:cNvPr>
-          <p:cNvSpPr txBox="1"/>
-          <p:nvPr/>
-        </p:nvSpPr>
-        <p:spPr>
-          <a:xfrm>
-            <a:off x="6899000" y="3418634"/>
-            <a:ext cx="492443" cy="461665"/>
-          </a:xfrm>
-          <a:prstGeom prst="rect">
-            <a:avLst/>
-          </a:prstGeom>
-          <a:noFill/>
-        </p:spPr>
-        <p:txBody>
-          <a:bodyPr wrap="none" rtlCol="0">
-            <a:spAutoFit/>
-          </a:bodyPr>
-          <a:lstStyle/>
-          <a:p>
-            <a:pPr algn="l"/>
-            <a:r>
-              <a:rPr kumimoji="1" lang="ja-JP" altLang="en-US" sz="2400" dirty="0">
-                <a:solidFill>
-                  <a:schemeClr val="accent4">
-                    <a:lumMod val="60000"/>
-                    <a:lumOff val="40000"/>
-                  </a:schemeClr>
-                </a:solidFill>
-                <a:latin typeface="メイリオ" panose="020B0604030504040204" pitchFamily="50" charset="-128"/>
-                <a:ea typeface="メイリオ" panose="020B0604030504040204" pitchFamily="50" charset="-128"/>
-              </a:rPr>
-              <a:t>●</a:t>
-            </a:r>
-          </a:p>
-        </p:txBody>
-      </p:sp>
-      <p:sp>
-        <p:nvSpPr>
-          <p:cNvPr id="10" name="テキスト ボックス 9">
-            <a:extLst>
-              <a:ext uri="{FF2B5EF4-FFF2-40B4-BE49-F238E27FC236}">
-                <a16:creationId xmlns:a16="http://schemas.microsoft.com/office/drawing/2014/main" id="{08B51688-D6A7-B96D-E9DC-6866C73F14DE}"/>
-              </a:ext>
-            </a:extLst>
-          </p:cNvPr>
-          <p:cNvSpPr txBox="1"/>
-          <p:nvPr/>
-        </p:nvSpPr>
-        <p:spPr>
-          <a:xfrm>
-            <a:off x="7468844" y="1260193"/>
-            <a:ext cx="492443" cy="461665"/>
-          </a:xfrm>
-          <a:prstGeom prst="rect">
-            <a:avLst/>
-          </a:prstGeom>
-          <a:noFill/>
-        </p:spPr>
-        <p:txBody>
-          <a:bodyPr wrap="none" rtlCol="0">
-            <a:spAutoFit/>
-          </a:bodyPr>
-          <a:lstStyle/>
-          <a:p>
-            <a:pPr algn="l"/>
-            <a:r>
-              <a:rPr kumimoji="1" lang="ja-JP" altLang="en-US" sz="2400" dirty="0">
-                <a:solidFill>
-                  <a:schemeClr val="accent4">
-                    <a:lumMod val="60000"/>
-                    <a:lumOff val="40000"/>
-                  </a:schemeClr>
-                </a:solidFill>
-                <a:latin typeface="メイリオ" panose="020B0604030504040204" pitchFamily="50" charset="-128"/>
-                <a:ea typeface="メイリオ" panose="020B0604030504040204" pitchFamily="50" charset="-128"/>
-              </a:rPr>
-              <a:t>●</a:t>
-            </a:r>
-          </a:p>
-        </p:txBody>
-      </p:sp>
-      <p:sp>
-        <p:nvSpPr>
-          <p:cNvPr id="13" name="テキスト ボックス 12">
-            <a:extLst>
-              <a:ext uri="{FF2B5EF4-FFF2-40B4-BE49-F238E27FC236}">
-                <a16:creationId xmlns:a16="http://schemas.microsoft.com/office/drawing/2014/main" id="{FE934083-C53D-A803-449B-1C16AC829C31}"/>
-              </a:ext>
-            </a:extLst>
-          </p:cNvPr>
-          <p:cNvSpPr txBox="1"/>
-          <p:nvPr/>
-        </p:nvSpPr>
-        <p:spPr>
-          <a:xfrm>
-            <a:off x="7235222" y="4246615"/>
-            <a:ext cx="2864887" cy="461665"/>
-          </a:xfrm>
-          <a:prstGeom prst="rect">
-            <a:avLst/>
-          </a:prstGeom>
-          <a:noFill/>
-        </p:spPr>
-        <p:txBody>
-          <a:bodyPr wrap="none" rtlCol="0">
-            <a:spAutoFit/>
-          </a:bodyPr>
-          <a:lstStyle/>
-          <a:p>
-            <a:pPr algn="l"/>
-            <a:r>
-              <a:rPr kumimoji="1" lang="en-US" altLang="ja-JP" sz="2400" dirty="0">
-                <a:latin typeface="メイリオ" panose="020B0604030504040204" pitchFamily="50" charset="-128"/>
-                <a:ea typeface="メイリオ" panose="020B0604030504040204" pitchFamily="50" charset="-128"/>
-              </a:rPr>
-              <a:t>K=3 : </a:t>
-            </a:r>
-            <a:r>
-              <a:rPr kumimoji="1" lang="ja-JP" altLang="en-US" sz="2400" dirty="0">
-                <a:solidFill>
-                  <a:srgbClr val="FF0000"/>
-                </a:solidFill>
-                <a:latin typeface="メイリオ" panose="020B0604030504040204" pitchFamily="50" charset="-128"/>
-                <a:ea typeface="メイリオ" panose="020B0604030504040204" pitchFamily="50" charset="-128"/>
-              </a:rPr>
-              <a:t>★</a:t>
-            </a:r>
-            <a:r>
-              <a:rPr kumimoji="1" lang="ja-JP" altLang="en-US" sz="2400" dirty="0">
-                <a:latin typeface="メイリオ" panose="020B0604030504040204" pitchFamily="50" charset="-128"/>
-                <a:ea typeface="メイリオ" panose="020B0604030504040204" pitchFamily="50" charset="-128"/>
-              </a:rPr>
-              <a:t>は</a:t>
-            </a:r>
-            <a:r>
-              <a:rPr kumimoji="1" lang="en-US" altLang="ja-JP" sz="2400" dirty="0">
-                <a:latin typeface="メイリオ" panose="020B0604030504040204" pitchFamily="50" charset="-128"/>
-                <a:ea typeface="メイリオ" panose="020B0604030504040204" pitchFamily="50" charset="-128"/>
-              </a:rPr>
-              <a:t>Class B</a:t>
-            </a:r>
-            <a:endParaRPr kumimoji="1" lang="ja-JP" altLang="en-US" sz="2400" dirty="0">
-              <a:latin typeface="メイリオ" panose="020B0604030504040204" pitchFamily="50" charset="-128"/>
-              <a:ea typeface="メイリオ" panose="020B0604030504040204" pitchFamily="50" charset="-128"/>
-            </a:endParaRPr>
-          </a:p>
-        </p:txBody>
-      </p:sp>
-      <p:sp>
-        <p:nvSpPr>
-          <p:cNvPr id="14" name="テキスト ボックス 13">
-            <a:extLst>
-              <a:ext uri="{FF2B5EF4-FFF2-40B4-BE49-F238E27FC236}">
-                <a16:creationId xmlns:a16="http://schemas.microsoft.com/office/drawing/2014/main" id="{24CB0954-FCFC-B8F7-0482-02A2C0433FC9}"/>
-              </a:ext>
-            </a:extLst>
-          </p:cNvPr>
-          <p:cNvSpPr txBox="1"/>
-          <p:nvPr/>
-        </p:nvSpPr>
-        <p:spPr>
-          <a:xfrm>
-            <a:off x="7233619" y="4664253"/>
-            <a:ext cx="2866490" cy="461665"/>
-          </a:xfrm>
-          <a:prstGeom prst="rect">
-            <a:avLst/>
-          </a:prstGeom>
-          <a:noFill/>
-        </p:spPr>
-        <p:txBody>
-          <a:bodyPr wrap="none" rtlCol="0">
-            <a:spAutoFit/>
-          </a:bodyPr>
-          <a:lstStyle/>
-          <a:p>
-            <a:pPr algn="l"/>
-            <a:r>
-              <a:rPr kumimoji="1" lang="en-US" altLang="ja-JP" sz="2400" dirty="0">
-                <a:latin typeface="メイリオ" panose="020B0604030504040204" pitchFamily="50" charset="-128"/>
-                <a:ea typeface="メイリオ" panose="020B0604030504040204" pitchFamily="50" charset="-128"/>
-              </a:rPr>
-              <a:t>K=6 : </a:t>
-            </a:r>
-            <a:r>
-              <a:rPr kumimoji="1" lang="ja-JP" altLang="en-US" sz="2400" dirty="0">
-                <a:solidFill>
-                  <a:srgbClr val="FF0000"/>
-                </a:solidFill>
-                <a:latin typeface="メイリオ" panose="020B0604030504040204" pitchFamily="50" charset="-128"/>
-                <a:ea typeface="メイリオ" panose="020B0604030504040204" pitchFamily="50" charset="-128"/>
-              </a:rPr>
-              <a:t>★</a:t>
-            </a:r>
-            <a:r>
-              <a:rPr kumimoji="1" lang="ja-JP" altLang="en-US" sz="2400" dirty="0">
-                <a:latin typeface="メイリオ" panose="020B0604030504040204" pitchFamily="50" charset="-128"/>
-                <a:ea typeface="メイリオ" panose="020B0604030504040204" pitchFamily="50" charset="-128"/>
-              </a:rPr>
-              <a:t>は</a:t>
-            </a:r>
-            <a:r>
-              <a:rPr kumimoji="1" lang="en-US" altLang="ja-JP" sz="2400" dirty="0">
-                <a:latin typeface="メイリオ" panose="020B0604030504040204" pitchFamily="50" charset="-128"/>
-                <a:ea typeface="メイリオ" panose="020B0604030504040204" pitchFamily="50" charset="-128"/>
-              </a:rPr>
-              <a:t>Class A</a:t>
-            </a:r>
-            <a:endParaRPr kumimoji="1" lang="ja-JP" altLang="en-US" sz="2400" dirty="0">
-              <a:latin typeface="メイリオ" panose="020B0604030504040204" pitchFamily="50" charset="-128"/>
-              <a:ea typeface="メイリオ" panose="020B0604030504040204" pitchFamily="50" charset="-128"/>
-            </a:endParaRPr>
-          </a:p>
-        </p:txBody>
-      </p:sp>
-      <p:graphicFrame>
-        <p:nvGraphicFramePr>
-          <p:cNvPr id="18" name="図表 17">
-            <a:extLst>
-              <a:ext uri="{FF2B5EF4-FFF2-40B4-BE49-F238E27FC236}">
-                <a16:creationId xmlns:a16="http://schemas.microsoft.com/office/drawing/2014/main" id="{5A6A8792-1AE3-BD6C-04E1-92671CFEF200}"/>
-              </a:ext>
-            </a:extLst>
-          </p:cNvPr>
-          <p:cNvGraphicFramePr/>
-          <p:nvPr/>
-        </p:nvGraphicFramePr>
-        <p:xfrm>
-          <a:off x="1974575" y="5154415"/>
-          <a:ext cx="9072876" cy="830997"/>
-        </p:xfrm>
-        <a:graphic>
-          <a:graphicData uri="http://schemas.openxmlformats.org/drawingml/2006/diagram">
-            <dgm:relIds xmlns:dgm="http://schemas.openxmlformats.org/drawingml/2006/diagram" xmlns:r="http://schemas.openxmlformats.org/officeDocument/2006/relationships" r:dm="rId3" r:lo="rId4" r:qs="rId5" r:cs="rId6"/>
-          </a:graphicData>
-        </a:graphic>
-      </p:graphicFrame>
-      <p:sp>
-        <p:nvSpPr>
-          <p:cNvPr id="19" name="テキスト ボックス 18">
-            <a:extLst>
-              <a:ext uri="{FF2B5EF4-FFF2-40B4-BE49-F238E27FC236}">
-                <a16:creationId xmlns:a16="http://schemas.microsoft.com/office/drawing/2014/main" id="{A023EEA0-2B33-9711-ED46-45F183E742C2}"/>
-              </a:ext>
-            </a:extLst>
-          </p:cNvPr>
-          <p:cNvSpPr txBox="1"/>
-          <p:nvPr/>
-        </p:nvSpPr>
-        <p:spPr>
-          <a:xfrm>
-            <a:off x="874380" y="6001162"/>
-            <a:ext cx="10965195" cy="923330"/>
-          </a:xfrm>
-          <a:prstGeom prst="rect">
-            <a:avLst/>
-          </a:prstGeom>
-          <a:noFill/>
-        </p:spPr>
-        <p:txBody>
-          <a:bodyPr wrap="square" rtlCol="0">
-            <a:spAutoFit/>
-          </a:bodyPr>
-          <a:lstStyle/>
-          <a:p>
-            <a:pPr algn="l"/>
-            <a:r>
-              <a:rPr kumimoji="1" lang="ja-JP" altLang="en-US" dirty="0">
-                <a:latin typeface="メイリオ" panose="020B0604030504040204" pitchFamily="50" charset="-128"/>
-                <a:ea typeface="メイリオ" panose="020B0604030504040204" pitchFamily="50" charset="-128"/>
-              </a:rPr>
-              <a:t>（注）★が与えられた都度円が変わる。つまり今まで述べてきた固定的な決定境界を引いているわけではないので学習してないとも言える（</a:t>
-            </a:r>
-            <a:r>
-              <a:rPr kumimoji="1" lang="en-US" altLang="ja-JP" dirty="0">
-                <a:latin typeface="メイリオ" panose="020B0604030504040204" pitchFamily="50" charset="-128"/>
-                <a:ea typeface="メイリオ" panose="020B0604030504040204" pitchFamily="50" charset="-128"/>
-              </a:rPr>
-              <a:t>p.179</a:t>
-            </a:r>
-            <a:r>
-              <a:rPr kumimoji="1" lang="ja-JP" altLang="en-US" dirty="0">
-                <a:latin typeface="メイリオ" panose="020B0604030504040204" pitchFamily="50" charset="-128"/>
-                <a:ea typeface="メイリオ" panose="020B0604030504040204" pitchFamily="50" charset="-128"/>
-              </a:rPr>
-              <a:t>中段：「</a:t>
-            </a:r>
-            <a:r>
-              <a:rPr kumimoji="1" lang="en-US" altLang="ja-JP" dirty="0">
-                <a:latin typeface="メイリオ" panose="020B0604030504040204" pitchFamily="50" charset="-128"/>
-                <a:ea typeface="メイリオ" panose="020B0604030504040204" pitchFamily="50" charset="-128"/>
-              </a:rPr>
-              <a:t>KNN</a:t>
-            </a:r>
-            <a:r>
-              <a:rPr kumimoji="1" lang="ja-JP" altLang="en-US" dirty="0">
-                <a:latin typeface="メイリオ" panose="020B0604030504040204" pitchFamily="50" charset="-128"/>
-                <a:ea typeface="メイリオ" panose="020B0604030504040204" pitchFamily="50" charset="-128"/>
-              </a:rPr>
-              <a:t>には学習というフェーズがない」）が、</a:t>
-            </a:r>
-            <a:r>
-              <a:rPr kumimoji="1" lang="en-US" altLang="ja-JP" dirty="0">
-                <a:latin typeface="メイリオ" panose="020B0604030504040204" pitchFamily="50" charset="-128"/>
-                <a:ea typeface="メイリオ" panose="020B0604030504040204" pitchFamily="50" charset="-128"/>
-              </a:rPr>
-              <a:t>K</a:t>
-            </a:r>
-            <a:r>
-              <a:rPr kumimoji="1" lang="ja-JP" altLang="en-US" dirty="0">
-                <a:latin typeface="メイリオ" panose="020B0604030504040204" pitchFamily="50" charset="-128"/>
-                <a:ea typeface="メイリオ" panose="020B0604030504040204" pitchFamily="50" charset="-128"/>
-              </a:rPr>
-              <a:t>を決めることが円の大きさを決めるので学習とみなします。</a:t>
+              <a:rPr kumimoji="1" lang="ja-JP" altLang="en-US" sz="2400" b="1" dirty="0">
+                <a:latin typeface="メイリオ" panose="020B0604030504040204" pitchFamily="50" charset="-128"/>
+                <a:ea typeface="メイリオ" panose="020B0604030504040204" pitchFamily="50" charset="-128"/>
+              </a:rPr>
+              <a:t>もし　</a:t>
+            </a:r>
+            <a:r>
+              <a:rPr kumimoji="1" lang="en-US" altLang="ja-JP" sz="2400" b="1" dirty="0">
+                <a:latin typeface="メイリオ" panose="020B0604030504040204" pitchFamily="50" charset="-128"/>
+                <a:ea typeface="メイリオ" panose="020B0604030504040204" pitchFamily="50" charset="-128"/>
+              </a:rPr>
+              <a:t>K=</a:t>
+            </a:r>
+            <a:r>
+              <a:rPr kumimoji="1" lang="ja-JP" altLang="en-US" sz="2400" b="1" dirty="0">
+                <a:latin typeface="メイリオ" panose="020B0604030504040204" pitchFamily="50" charset="-128"/>
+                <a:ea typeface="メイリオ" panose="020B0604030504040204" pitchFamily="50" charset="-128"/>
+              </a:rPr>
+              <a:t>訓練データの総数　だとどうなるか？　</a:t>
             </a:r>
           </a:p>
         </p:txBody>
@@ -32006,7 +32001,7 @@
     </p:spTree>
     <p:extLst>
       <p:ext uri="{BB962C8B-B14F-4D97-AF65-F5344CB8AC3E}">
-        <p14:creationId xmlns:p14="http://schemas.microsoft.com/office/powerpoint/2010/main" val="2043508112"/>
+        <p14:creationId xmlns:p14="http://schemas.microsoft.com/office/powerpoint/2010/main" val="3112075394"/>
       </p:ext>
     </p:extLst>
   </p:cSld>

--- a/NLP_4 Classifier.pptx
+++ b/NLP_4 Classifier.pptx
@@ -7603,7 +7603,7 @@
           <a:p>
             <a:fld id="{2ABC02D7-CBD1-4D33-B166-78A898DF0F76}" type="datetimeFigureOut">
               <a:rPr kumimoji="1" lang="ja-JP" altLang="en-US" smtClean="0"/>
-              <a:t>2024/6/26</a:t>
+              <a:t>2024/7/4</a:t>
             </a:fld>
             <a:endParaRPr kumimoji="1" lang="ja-JP" altLang="en-US"/>
           </a:p>
@@ -7805,7 +7805,7 @@
           <a:p>
             <a:fld id="{2ABC02D7-CBD1-4D33-B166-78A898DF0F76}" type="datetimeFigureOut">
               <a:rPr kumimoji="1" lang="ja-JP" altLang="en-US" smtClean="0"/>
-              <a:t>2024/6/26</a:t>
+              <a:t>2024/7/4</a:t>
             </a:fld>
             <a:endParaRPr kumimoji="1" lang="ja-JP" altLang="en-US"/>
           </a:p>
@@ -8017,7 +8017,7 @@
           <a:p>
             <a:fld id="{2ABC02D7-CBD1-4D33-B166-78A898DF0F76}" type="datetimeFigureOut">
               <a:rPr kumimoji="1" lang="ja-JP" altLang="en-US" smtClean="0"/>
-              <a:t>2024/6/26</a:t>
+              <a:t>2024/7/4</a:t>
             </a:fld>
             <a:endParaRPr kumimoji="1" lang="ja-JP" altLang="en-US"/>
           </a:p>
@@ -8219,7 +8219,7 @@
           <a:p>
             <a:fld id="{2ABC02D7-CBD1-4D33-B166-78A898DF0F76}" type="datetimeFigureOut">
               <a:rPr kumimoji="1" lang="ja-JP" altLang="en-US" smtClean="0"/>
-              <a:t>2024/6/26</a:t>
+              <a:t>2024/7/4</a:t>
             </a:fld>
             <a:endParaRPr kumimoji="1" lang="ja-JP" altLang="en-US"/>
           </a:p>
@@ -8465,7 +8465,7 @@
           <a:p>
             <a:fld id="{2ABC02D7-CBD1-4D33-B166-78A898DF0F76}" type="datetimeFigureOut">
               <a:rPr kumimoji="1" lang="ja-JP" altLang="en-US" smtClean="0"/>
-              <a:t>2024/6/26</a:t>
+              <a:t>2024/7/4</a:t>
             </a:fld>
             <a:endParaRPr kumimoji="1" lang="ja-JP" altLang="en-US"/>
           </a:p>
@@ -8761,7 +8761,7 @@
           <a:p>
             <a:fld id="{2ABC02D7-CBD1-4D33-B166-78A898DF0F76}" type="datetimeFigureOut">
               <a:rPr kumimoji="1" lang="ja-JP" altLang="en-US" smtClean="0"/>
-              <a:t>2024/6/26</a:t>
+              <a:t>2024/7/4</a:t>
             </a:fld>
             <a:endParaRPr kumimoji="1" lang="ja-JP" altLang="en-US"/>
           </a:p>
@@ -9192,7 +9192,7 @@
           <a:p>
             <a:fld id="{2ABC02D7-CBD1-4D33-B166-78A898DF0F76}" type="datetimeFigureOut">
               <a:rPr kumimoji="1" lang="ja-JP" altLang="en-US" smtClean="0"/>
-              <a:t>2024/6/26</a:t>
+              <a:t>2024/7/4</a:t>
             </a:fld>
             <a:endParaRPr kumimoji="1" lang="ja-JP" altLang="en-US"/>
           </a:p>
@@ -9310,7 +9310,7 @@
           <a:p>
             <a:fld id="{2ABC02D7-CBD1-4D33-B166-78A898DF0F76}" type="datetimeFigureOut">
               <a:rPr kumimoji="1" lang="ja-JP" altLang="en-US" smtClean="0"/>
-              <a:t>2024/6/26</a:t>
+              <a:t>2024/7/4</a:t>
             </a:fld>
             <a:endParaRPr kumimoji="1" lang="ja-JP" altLang="en-US"/>
           </a:p>
@@ -9405,7 +9405,7 @@
           <a:p>
             <a:fld id="{2ABC02D7-CBD1-4D33-B166-78A898DF0F76}" type="datetimeFigureOut">
               <a:rPr kumimoji="1" lang="ja-JP" altLang="en-US" smtClean="0"/>
-              <a:t>2024/6/26</a:t>
+              <a:t>2024/7/4</a:t>
             </a:fld>
             <a:endParaRPr kumimoji="1" lang="ja-JP" altLang="en-US"/>
           </a:p>
@@ -9714,7 +9714,7 @@
           <a:p>
             <a:fld id="{2ABC02D7-CBD1-4D33-B166-78A898DF0F76}" type="datetimeFigureOut">
               <a:rPr kumimoji="1" lang="ja-JP" altLang="en-US" smtClean="0"/>
-              <a:t>2024/6/26</a:t>
+              <a:t>2024/7/4</a:t>
             </a:fld>
             <a:endParaRPr kumimoji="1" lang="ja-JP" altLang="en-US"/>
           </a:p>
@@ -9971,7 +9971,7 @@
           <a:p>
             <a:fld id="{2ABC02D7-CBD1-4D33-B166-78A898DF0F76}" type="datetimeFigureOut">
               <a:rPr kumimoji="1" lang="ja-JP" altLang="en-US" smtClean="0"/>
-              <a:t>2024/6/26</a:t>
+              <a:t>2024/7/4</a:t>
             </a:fld>
             <a:endParaRPr kumimoji="1" lang="ja-JP" altLang="en-US"/>
           </a:p>
@@ -10216,7 +10216,7 @@
           <a:p>
             <a:fld id="{2ABC02D7-CBD1-4D33-B166-78A898DF0F76}" type="datetimeFigureOut">
               <a:rPr kumimoji="1" lang="ja-JP" altLang="en-US" smtClean="0"/>
-              <a:t>2024/6/26</a:t>
+              <a:t>2024/7/4</a:t>
             </a:fld>
             <a:endParaRPr kumimoji="1" lang="ja-JP" altLang="en-US"/>
           </a:p>
@@ -10726,7 +10726,7 @@
         </p:blipFill>
         <p:spPr bwMode="auto">
           <a:xfrm>
-            <a:off x="1351280" y="1151041"/>
+            <a:off x="1298877" y="1166790"/>
             <a:ext cx="4497070" cy="3310657"/>
           </a:xfrm>
           <a:prstGeom prst="rect">
@@ -10948,7 +10948,7 @@
         </p:nvSpPr>
         <p:spPr>
           <a:xfrm>
-            <a:off x="1666875" y="4360761"/>
+            <a:off x="1391051" y="4361368"/>
             <a:ext cx="4943475" cy="830997"/>
           </a:xfrm>
           <a:prstGeom prst="rect">
@@ -13894,7 +13894,7 @@
         <p:spPr>
           <a:xfrm>
             <a:off x="559836" y="1043725"/>
-            <a:ext cx="6575839" cy="830997"/>
+            <a:ext cx="10716395" cy="707886"/>
           </a:xfrm>
           <a:prstGeom prst="rect">
             <a:avLst/>
@@ -13912,27 +13912,27 @@
               <a:buAutoNum type="arabicPeriod"/>
             </a:pPr>
             <a:r>
-              <a:rPr kumimoji="1" lang="ja-JP" altLang="en-US" sz="2400" dirty="0">
+              <a:rPr kumimoji="1" lang="ja-JP" altLang="en-US" sz="2000" dirty="0">
                 <a:latin typeface="メイリオ" panose="020B0604030504040204" pitchFamily="50" charset="-128"/>
                 <a:ea typeface="メイリオ" panose="020B0604030504040204" pitchFamily="50" charset="-128"/>
               </a:rPr>
               <a:t>頻度</a:t>
             </a:r>
             <a:r>
-              <a:rPr kumimoji="1" lang="en-US" altLang="ja-JP" sz="2400" dirty="0">
+              <a:rPr kumimoji="1" lang="en-US" altLang="ja-JP" sz="2000" dirty="0">
                 <a:latin typeface="メイリオ" panose="020B0604030504040204" pitchFamily="50" charset="-128"/>
                 <a:ea typeface="メイリオ" panose="020B0604030504040204" pitchFamily="50" charset="-128"/>
               </a:rPr>
               <a:t>0, 1 </a:t>
             </a:r>
             <a:r>
-              <a:rPr kumimoji="1" lang="ja-JP" altLang="en-US" sz="2400" dirty="0">
-                <a:latin typeface="メイリオ" panose="020B0604030504040204" pitchFamily="50" charset="-128"/>
-                <a:ea typeface="メイリオ" panose="020B0604030504040204" pitchFamily="50" charset="-128"/>
-              </a:rPr>
-              <a:t>のような低頻度語彙が非常に多い</a:t>
-            </a:r>
-            <a:endParaRPr kumimoji="1" lang="en-US" altLang="ja-JP" sz="2400" dirty="0">
+              <a:rPr kumimoji="1" lang="ja-JP" altLang="en-US" sz="2000" dirty="0">
+                <a:latin typeface="メイリオ" panose="020B0604030504040204" pitchFamily="50" charset="-128"/>
+                <a:ea typeface="メイリオ" panose="020B0604030504040204" pitchFamily="50" charset="-128"/>
+              </a:rPr>
+              <a:t>のような低頻度語彙が非常に多い　→　次元数が大きいほど境界は複雑化する</a:t>
+            </a:r>
+            <a:endParaRPr kumimoji="1" lang="en-US" altLang="ja-JP" sz="2000" dirty="0">
               <a:latin typeface="メイリオ" panose="020B0604030504040204" pitchFamily="50" charset="-128"/>
               <a:ea typeface="メイリオ" panose="020B0604030504040204" pitchFamily="50" charset="-128"/>
             </a:endParaRPr>
@@ -13943,64 +13943,11 @@
               <a:buAutoNum type="arabicPeriod"/>
             </a:pPr>
             <a:r>
-              <a:rPr kumimoji="1" lang="ja-JP" altLang="en-US" sz="2400" dirty="0">
-                <a:latin typeface="メイリオ" panose="020B0604030504040204" pitchFamily="50" charset="-128"/>
-                <a:ea typeface="メイリオ" panose="020B0604030504040204" pitchFamily="50" charset="-128"/>
-              </a:rPr>
-              <a:t>汎用語彙も結構ある（レシピとか）</a:t>
-            </a:r>
-          </a:p>
-        </p:txBody>
-      </p:sp>
-      <p:sp>
-        <p:nvSpPr>
-          <p:cNvPr id="11" name="テキスト ボックス 10">
-            <a:extLst>
-              <a:ext uri="{FF2B5EF4-FFF2-40B4-BE49-F238E27FC236}">
-                <a16:creationId xmlns:a16="http://schemas.microsoft.com/office/drawing/2014/main" id="{78F86497-9234-1ED8-D9DE-85604403365E}"/>
-              </a:ext>
-            </a:extLst>
-          </p:cNvPr>
-          <p:cNvSpPr txBox="1"/>
-          <p:nvPr/>
-        </p:nvSpPr>
-        <p:spPr>
-          <a:xfrm>
-            <a:off x="495266" y="1980159"/>
-            <a:ext cx="7037504" cy="461665"/>
-          </a:xfrm>
-          <a:prstGeom prst="rect">
-            <a:avLst/>
-          </a:prstGeom>
-          <a:noFill/>
-        </p:spPr>
-        <p:txBody>
-          <a:bodyPr wrap="none" rtlCol="0">
-            <a:spAutoFit/>
-          </a:bodyPr>
-          <a:lstStyle/>
-          <a:p>
-            <a:pPr algn="l"/>
-            <a:r>
-              <a:rPr kumimoji="1" lang="ja-JP" altLang="en-US" sz="2400" dirty="0">
-                <a:latin typeface="メイリオ" panose="020B0604030504040204" pitchFamily="50" charset="-128"/>
-                <a:ea typeface="メイリオ" panose="020B0604030504040204" pitchFamily="50" charset="-128"/>
-              </a:rPr>
-              <a:t>低頻度語彙は</a:t>
-            </a:r>
-            <a:r>
-              <a:rPr kumimoji="1" lang="en-US" altLang="ja-JP" sz="2400" dirty="0" err="1">
-                <a:latin typeface="メイリオ" panose="020B0604030504040204" pitchFamily="50" charset="-128"/>
-                <a:ea typeface="メイリオ" panose="020B0604030504040204" pitchFamily="50" charset="-128"/>
-              </a:rPr>
-              <a:t>BoW</a:t>
-            </a:r>
-            <a:r>
-              <a:rPr kumimoji="1" lang="ja-JP" altLang="en-US" sz="2400" dirty="0">
-                <a:latin typeface="メイリオ" panose="020B0604030504040204" pitchFamily="50" charset="-128"/>
-                <a:ea typeface="メイリオ" panose="020B0604030504040204" pitchFamily="50" charset="-128"/>
-              </a:rPr>
-              <a:t>空間上の点の距離感を損なう！</a:t>
+              <a:rPr kumimoji="1" lang="ja-JP" altLang="en-US" sz="2000" dirty="0">
+                <a:latin typeface="メイリオ" panose="020B0604030504040204" pitchFamily="50" charset="-128"/>
+                <a:ea typeface="メイリオ" panose="020B0604030504040204" pitchFamily="50" charset="-128"/>
+              </a:rPr>
+              <a:t>汎用語彙も結構ある（レシピとか）→　クラス間の距離を不明確にする</a:t>
             </a:r>
           </a:p>
         </p:txBody>
@@ -16711,7 +16658,7 @@
         <p:spPr>
           <a:xfrm>
             <a:off x="7462021" y="5803172"/>
-            <a:ext cx="4210576" cy="923330"/>
+            <a:ext cx="4210576" cy="369332"/>
           </a:xfrm>
           <a:prstGeom prst="rect">
             <a:avLst/>
@@ -16753,26 +16700,6 @@
               <a:latin typeface="メイリオ" panose="020B0604030504040204" pitchFamily="50" charset="-128"/>
               <a:ea typeface="メイリオ" panose="020B0604030504040204" pitchFamily="50" charset="-128"/>
             </a:endParaRPr>
-          </a:p>
-          <a:p>
-            <a:pPr marL="342900" indent="-342900" algn="l">
-              <a:buFont typeface="Wingdings" panose="05000000000000000000" pitchFamily="2" charset="2"/>
-              <a:buChar char="l"/>
-            </a:pPr>
-            <a:r>
-              <a:rPr kumimoji="1" lang="en-US" altLang="ja-JP" dirty="0">
-                <a:latin typeface="メイリオ" panose="020B0604030504040204" pitchFamily="50" charset="-128"/>
-                <a:ea typeface="メイリオ" panose="020B0604030504040204" pitchFamily="50" charset="-128"/>
-              </a:rPr>
-              <a:t>0,1</a:t>
-            </a:r>
-            <a:r>
-              <a:rPr kumimoji="1" lang="ja-JP" altLang="en-US" dirty="0">
-                <a:latin typeface="メイリオ" panose="020B0604030504040204" pitchFamily="50" charset="-128"/>
-                <a:ea typeface="メイリオ" panose="020B0604030504040204" pitchFamily="50" charset="-128"/>
-              </a:rPr>
-              <a:t>が多いと距離も０に近くなる！（空間座標が似ているから）</a:t>
-            </a:r>
           </a:p>
         </p:txBody>
       </p:sp>
@@ -26543,7 +26470,7 @@
         <p:spPr>
           <a:xfrm>
             <a:off x="270589" y="243555"/>
-            <a:ext cx="6340197" cy="584775"/>
+            <a:ext cx="7160935" cy="584775"/>
           </a:xfrm>
           <a:prstGeom prst="rect">
             <a:avLst/>
@@ -26562,7 +26489,7 @@
                 <a:latin typeface="メイリオ" panose="020B0604030504040204" pitchFamily="50" charset="-128"/>
                 <a:ea typeface="メイリオ" panose="020B0604030504040204" pitchFamily="50" charset="-128"/>
               </a:rPr>
-              <a:t>棒グラフ（前回）と空間との関係</a:t>
+              <a:t>平均棒グラフ（前回）と空間との関係</a:t>
             </a:r>
           </a:p>
         </p:txBody>
@@ -26601,7 +26528,7 @@
                 <a:latin typeface="メイリオ" panose="020B0604030504040204" pitchFamily="50" charset="-128"/>
                 <a:ea typeface="メイリオ" panose="020B0604030504040204" pitchFamily="50" charset="-128"/>
               </a:rPr>
-              <a:t>棒グラフ：ラベル別の</a:t>
+              <a:t>平均棒グラフ：ラベル別の</a:t>
             </a:r>
             <a:r>
               <a:rPr kumimoji="1" lang="en-US" altLang="ja-JP" sz="2400" dirty="0" err="1">
@@ -29171,7 +29098,7 @@
         </p:nvSpPr>
         <p:spPr>
           <a:xfrm>
-            <a:off x="812385" y="2309569"/>
+            <a:off x="898807" y="2010311"/>
             <a:ext cx="4493538" cy="461665"/>
           </a:xfrm>
           <a:prstGeom prst="rect">
@@ -29208,10 +29135,16 @@
           <p:cNvGraphicFramePr>
             <a:graphicFrameLocks noGrp="1"/>
           </p:cNvGraphicFramePr>
-          <p:nvPr/>
+          <p:nvPr>
+            <p:extLst>
+              <p:ext uri="{D42A27DB-BD31-4B8C-83A1-F6EECF244321}">
+                <p14:modId xmlns:p14="http://schemas.microsoft.com/office/powerpoint/2010/main" val="3575819529"/>
+              </p:ext>
+            </p:extLst>
+          </p:nvPr>
         </p:nvGraphicFramePr>
         <p:xfrm>
-          <a:off x="1128752" y="3921848"/>
+          <a:off x="1215174" y="3622590"/>
           <a:ext cx="3708404" cy="1483360"/>
         </p:xfrm>
         <a:graphic>
@@ -29325,7 +29258,7 @@
                     <a:bodyPr/>
                     <a:lstStyle/>
                     <a:p>
-                      <a:endParaRPr kumimoji="1" lang="ja-JP" altLang="en-US"/>
+                      <a:endParaRPr kumimoji="1" lang="ja-JP" altLang="en-US" dirty="0"/>
                     </a:p>
                   </a:txBody>
                   <a:tcPr/>
@@ -29335,7 +29268,7 @@
                     <a:bodyPr/>
                     <a:lstStyle/>
                     <a:p>
-                      <a:endParaRPr kumimoji="1" lang="ja-JP" altLang="en-US"/>
+                      <a:endParaRPr kumimoji="1" lang="ja-JP" altLang="en-US" dirty="0"/>
                     </a:p>
                   </a:txBody>
                   <a:tcPr/>
@@ -29345,7 +29278,7 @@
                     <a:bodyPr/>
                     <a:lstStyle/>
                     <a:p>
-                      <a:endParaRPr kumimoji="1" lang="ja-JP" altLang="en-US"/>
+                      <a:endParaRPr kumimoji="1" lang="ja-JP" altLang="en-US" dirty="0"/>
                     </a:p>
                   </a:txBody>
                   <a:tcPr/>
@@ -29385,7 +29318,7 @@
                     <a:bodyPr/>
                     <a:lstStyle/>
                     <a:p>
-                      <a:endParaRPr kumimoji="1" lang="ja-JP" altLang="en-US"/>
+                      <a:endParaRPr kumimoji="1" lang="ja-JP" altLang="en-US" dirty="0"/>
                     </a:p>
                   </a:txBody>
                   <a:tcPr/>
@@ -29395,7 +29328,7 @@
                     <a:bodyPr/>
                     <a:lstStyle/>
                     <a:p>
-                      <a:endParaRPr kumimoji="1" lang="ja-JP" altLang="en-US"/>
+                      <a:endParaRPr kumimoji="1" lang="ja-JP" altLang="en-US" dirty="0"/>
                     </a:p>
                   </a:txBody>
                   <a:tcPr/>
@@ -29435,7 +29368,7 @@
                     <a:bodyPr/>
                     <a:lstStyle/>
                     <a:p>
-                      <a:endParaRPr kumimoji="1" lang="ja-JP" altLang="en-US"/>
+                      <a:endParaRPr kumimoji="1" lang="ja-JP" altLang="en-US" dirty="0"/>
                     </a:p>
                   </a:txBody>
                   <a:tcPr/>
@@ -29472,10 +29405,16 @@
           <p:cNvGraphicFramePr>
             <a:graphicFrameLocks noGrp="1"/>
           </p:cNvGraphicFramePr>
-          <p:nvPr/>
+          <p:nvPr>
+            <p:extLst>
+              <p:ext uri="{D42A27DB-BD31-4B8C-83A1-F6EECF244321}">
+                <p14:modId xmlns:p14="http://schemas.microsoft.com/office/powerpoint/2010/main" val="1090047662"/>
+              </p:ext>
+            </p:extLst>
+          </p:nvPr>
         </p:nvGraphicFramePr>
         <p:xfrm>
-          <a:off x="6590586" y="3921848"/>
+          <a:off x="6677008" y="3622590"/>
           <a:ext cx="2781303" cy="1483360"/>
         </p:xfrm>
         <a:graphic>
@@ -29559,7 +29498,7 @@
                     <a:bodyPr/>
                     <a:lstStyle/>
                     <a:p>
-                      <a:endParaRPr kumimoji="1" lang="ja-JP" altLang="en-US"/>
+                      <a:endParaRPr kumimoji="1" lang="ja-JP" altLang="en-US" dirty="0"/>
                     </a:p>
                   </a:txBody>
                   <a:tcPr/>
@@ -29569,7 +29508,7 @@
                     <a:bodyPr/>
                     <a:lstStyle/>
                     <a:p>
-                      <a:endParaRPr kumimoji="1" lang="ja-JP" altLang="en-US"/>
+                      <a:endParaRPr kumimoji="1" lang="ja-JP" altLang="en-US" dirty="0"/>
                     </a:p>
                   </a:txBody>
                   <a:tcPr/>
@@ -29579,7 +29518,7 @@
                     <a:bodyPr/>
                     <a:lstStyle/>
                     <a:p>
-                      <a:endParaRPr kumimoji="1" lang="ja-JP" altLang="en-US"/>
+                      <a:endParaRPr kumimoji="1" lang="ja-JP" altLang="en-US" dirty="0"/>
                     </a:p>
                   </a:txBody>
                   <a:tcPr/>
@@ -29606,7 +29545,7 @@
                     <a:bodyPr/>
                     <a:lstStyle/>
                     <a:p>
-                      <a:endParaRPr kumimoji="1" lang="ja-JP" altLang="en-US"/>
+                      <a:endParaRPr kumimoji="1" lang="ja-JP" altLang="en-US" dirty="0"/>
                     </a:p>
                   </a:txBody>
                   <a:tcPr/>
@@ -29616,7 +29555,7 @@
                     <a:bodyPr/>
                     <a:lstStyle/>
                     <a:p>
-                      <a:endParaRPr kumimoji="1" lang="ja-JP" altLang="en-US"/>
+                      <a:endParaRPr kumimoji="1" lang="ja-JP" altLang="en-US" dirty="0"/>
                     </a:p>
                   </a:txBody>
                   <a:tcPr/>
@@ -29682,7 +29621,7 @@
         </p:nvSpPr>
         <p:spPr>
           <a:xfrm>
-            <a:off x="6491549" y="2319293"/>
+            <a:off x="6577971" y="2020035"/>
             <a:ext cx="3570208" cy="461665"/>
           </a:xfrm>
           <a:prstGeom prst="rect">
@@ -29721,7 +29660,7 @@
         </p:nvSpPr>
         <p:spPr>
           <a:xfrm rot="16200000">
-            <a:off x="3259044" y="2258585"/>
+            <a:off x="3345466" y="1959327"/>
             <a:ext cx="388339" cy="2767888"/>
           </a:xfrm>
           <a:prstGeom prst="rightBrace">
@@ -29765,7 +29704,7 @@
         </p:nvSpPr>
         <p:spPr>
           <a:xfrm>
-            <a:off x="2353990" y="2780958"/>
+            <a:off x="2440412" y="2481700"/>
             <a:ext cx="3386452" cy="707886"/>
           </a:xfrm>
           <a:prstGeom prst="rect">
@@ -29804,7 +29743,7 @@
         </p:nvSpPr>
         <p:spPr>
           <a:xfrm rot="16200000">
-            <a:off x="1387713" y="3270299"/>
+            <a:off x="1474135" y="2971041"/>
             <a:ext cx="388339" cy="744459"/>
           </a:xfrm>
           <a:prstGeom prst="rightBrace">
@@ -29848,7 +29787,7 @@
         </p:nvSpPr>
         <p:spPr>
           <a:xfrm>
-            <a:off x="47730" y="2771234"/>
+            <a:off x="134152" y="2471976"/>
             <a:ext cx="2236510" cy="707886"/>
           </a:xfrm>
           <a:prstGeom prst="rect">
@@ -29901,7 +29840,7 @@
         </p:nvSpPr>
         <p:spPr>
           <a:xfrm>
-            <a:off x="6295311" y="3134901"/>
+            <a:off x="6381733" y="2835643"/>
             <a:ext cx="4801314" cy="707886"/>
           </a:xfrm>
           <a:prstGeom prst="rect">
@@ -29954,7 +29893,7 @@
         </p:nvSpPr>
         <p:spPr>
           <a:xfrm>
-            <a:off x="907635" y="5635734"/>
+            <a:off x="994057" y="5336476"/>
             <a:ext cx="4615177" cy="1323439"/>
           </a:xfrm>
           <a:prstGeom prst="rect">
@@ -30024,7 +29963,7 @@
         </p:nvSpPr>
         <p:spPr>
           <a:xfrm>
-            <a:off x="6200061" y="5635734"/>
+            <a:off x="6286483" y="5336476"/>
             <a:ext cx="5189078" cy="1323439"/>
           </a:xfrm>
           <a:prstGeom prst="rect">
@@ -30094,7 +30033,7 @@
         </p:nvCxnSpPr>
         <p:spPr>
           <a:xfrm>
-            <a:off x="802860" y="3921848"/>
+            <a:off x="889282" y="3622590"/>
             <a:ext cx="0" cy="1790265"/>
           </a:xfrm>
           <a:prstGeom prst="straightConnector1">
@@ -30133,7 +30072,7 @@
         </p:nvSpPr>
         <p:spPr>
           <a:xfrm rot="16200000">
-            <a:off x="-551747" y="4586147"/>
+            <a:off x="-465325" y="4286889"/>
             <a:ext cx="2222083" cy="461665"/>
           </a:xfrm>
           <a:prstGeom prst="rect">
@@ -30179,7 +30118,7 @@
         </p:nvCxnSpPr>
         <p:spPr>
           <a:xfrm>
-            <a:off x="6212795" y="3746459"/>
+            <a:off x="6299217" y="3447201"/>
             <a:ext cx="0" cy="1790265"/>
           </a:xfrm>
           <a:prstGeom prst="straightConnector1">
@@ -30218,7 +30157,7 @@
         </p:nvSpPr>
         <p:spPr>
           <a:xfrm rot="16200000">
-            <a:off x="4858188" y="4410758"/>
+            <a:off x="4944610" y="4111500"/>
             <a:ext cx="2222083" cy="461665"/>
           </a:xfrm>
           <a:prstGeom prst="rect">
@@ -30262,10 +30201,16 @@
           <p:cNvGraphicFramePr>
             <a:graphicFrameLocks noGrp="1"/>
           </p:cNvGraphicFramePr>
-          <p:nvPr/>
+          <p:nvPr>
+            <p:extLst>
+              <p:ext uri="{D42A27DB-BD31-4B8C-83A1-F6EECF244321}">
+                <p14:modId xmlns:p14="http://schemas.microsoft.com/office/powerpoint/2010/main" val="1513009975"/>
+              </p:ext>
+            </p:extLst>
+          </p:nvPr>
         </p:nvGraphicFramePr>
         <p:xfrm>
-          <a:off x="11148332" y="4190197"/>
+          <a:off x="11234754" y="3890939"/>
           <a:ext cx="920891" cy="1112520"/>
         </p:xfrm>
         <a:graphic>
@@ -30361,7 +30306,7 @@
         </p:nvSpPr>
         <p:spPr>
           <a:xfrm>
-            <a:off x="9683848" y="4216814"/>
+            <a:off x="9770270" y="3917556"/>
             <a:ext cx="1152525" cy="1200329"/>
           </a:xfrm>
           <a:prstGeom prst="roundRect">
@@ -30410,7 +30355,7 @@
         </p:nvSpPr>
         <p:spPr>
           <a:xfrm rot="5400000">
-            <a:off x="8831899" y="4720519"/>
+            <a:off x="8918321" y="4421261"/>
             <a:ext cx="1391384" cy="192918"/>
           </a:xfrm>
           <a:prstGeom prst="triangle">
@@ -30456,7 +30401,7 @@
         </p:nvSpPr>
         <p:spPr>
           <a:xfrm rot="5400000">
-            <a:off x="10287567" y="4743518"/>
+            <a:off x="10373989" y="4444260"/>
             <a:ext cx="1391384" cy="192918"/>
           </a:xfrm>
           <a:prstGeom prst="triangle">
